--- a/기획발표.pptx
+++ b/기획발표.pptx
@@ -4511,14 +4511,14 @@
           <p:nvPr>
             <p:extLst>
               <p:ext uri="{D42A27DB-BD31-4B8C-83A1-F6EECF244321}">
-                <p14:modId xmlns:p14="http://schemas.microsoft.com/office/powerpoint/2010/main" val="3803160552"/>
+                <p14:modId xmlns:p14="http://schemas.microsoft.com/office/powerpoint/2010/main" val="719191013"/>
               </p:ext>
             </p:extLst>
           </p:nvPr>
         </p:nvGraphicFramePr>
         <p:xfrm>
           <a:off x="1457325" y="1705186"/>
-          <a:ext cx="8986837" cy="4838413"/>
+          <a:ext cx="8986837" cy="4209837"/>
         </p:xfrm>
         <a:graphic>
           <a:graphicData uri="http://schemas.openxmlformats.org/drawingml/2006/table">
@@ -4549,7 +4549,7 @@
                   </a:extLst>
                 </a:gridCol>
               </a:tblGrid>
-              <a:tr h="443113">
+              <a:tr h="444327">
                 <a:tc>
                   <a:txBody>
                     <a:bodyPr/>
@@ -4610,7 +4610,7 @@
                   </a:ext>
                 </a:extLst>
               </a:tr>
-              <a:tr h="625870">
+              <a:tr h="627585">
                 <a:tc>
                   <a:txBody>
                     <a:bodyPr/>
@@ -4634,7 +4634,15 @@
                       <a:pPr latinLnBrk="1"/>
                       <a:r>
                         <a:rPr lang="ko-KR" altLang="en-US" sz="1400" dirty="0"/>
-                        <a:t>기본 캐릭터 </a:t>
+                        <a:t>주인공 </a:t>
+                      </a:r>
+                      <a:r>
+                        <a:rPr lang="ko-KR" altLang="en-US" sz="1400" dirty="0" err="1"/>
+                        <a:t>솔져</a:t>
+                      </a:r>
+                      <a:r>
+                        <a:rPr lang="ko-KR" altLang="en-US" sz="1400" dirty="0"/>
+                        <a:t> 캐릭터 한가지와 그 캐릭터가 사용하는 스킬</a:t>
                       </a:r>
                       <a:r>
                         <a:rPr lang="en-US" altLang="ko-KR" sz="1400" dirty="0"/>
@@ -4642,7 +4650,23 @@
                       </a:r>
                       <a:r>
                         <a:rPr lang="ko-KR" altLang="en-US" sz="1400" dirty="0"/>
-                        <a:t>가지</a:t>
+                        <a:t>개와 </a:t>
+                      </a:r>
+                      <a:r>
+                        <a:rPr lang="ko-KR" altLang="en-US" sz="1400" dirty="0" err="1"/>
+                        <a:t>필살기</a:t>
+                      </a:r>
+                      <a:r>
+                        <a:rPr lang="ko-KR" altLang="en-US" sz="1400" dirty="0"/>
+                        <a:t> </a:t>
+                      </a:r>
+                      <a:r>
+                        <a:rPr lang="en-US" altLang="ko-KR" sz="1400" dirty="0"/>
+                        <a:t>1</a:t>
+                      </a:r>
+                      <a:r>
+                        <a:rPr lang="ko-KR" altLang="en-US" sz="1400" dirty="0"/>
+                        <a:t>개 </a:t>
                       </a:r>
                     </a:p>
                   </a:txBody>
@@ -4656,16 +4680,53 @@
                       <a:pPr latinLnBrk="1"/>
                       <a:r>
                         <a:rPr lang="ko-KR" altLang="en-US" sz="1400" dirty="0"/>
-                        <a:t>캐릭터 별로 스킬이 다른 캐릭터 </a:t>
+                        <a:t>능력치와 스킬</a:t>
                       </a:r>
                       <a:r>
                         <a:rPr lang="en-US" altLang="ko-KR" sz="1400" dirty="0"/>
-                        <a:t>2</a:t>
+                        <a:t>, </a:t>
                       </a:r>
                       <a:r>
                         <a:rPr lang="ko-KR" altLang="en-US" sz="1400" dirty="0"/>
-                        <a:t>가지 이상 </a:t>
-                      </a:r>
+                        <a:t>필살기가 다른 </a:t>
+                      </a:r>
+                      <a:r>
+                        <a:rPr lang="en-US" altLang="ko-KR" sz="1400" dirty="0"/>
+                        <a:t>3</a:t>
+                      </a:r>
+                      <a:r>
+                        <a:rPr lang="ko-KR" altLang="en-US" sz="1400" dirty="0"/>
+                        <a:t>가지 종류의 캐릭터 </a:t>
+                      </a:r>
+                      <a:r>
+                        <a:rPr lang="en-US" altLang="ko-KR" sz="1400" dirty="0"/>
+                        <a:t>(</a:t>
+                      </a:r>
+                      <a:r>
+                        <a:rPr lang="ko-KR" altLang="en-US" sz="1400" dirty="0" err="1"/>
+                        <a:t>솔져</a:t>
+                      </a:r>
+                      <a:r>
+                        <a:rPr lang="en-US" altLang="ko-KR" sz="1400" dirty="0"/>
+                        <a:t>, </a:t>
+                      </a:r>
+                      <a:r>
+                        <a:rPr lang="ko-KR" altLang="en-US" sz="1400" dirty="0"/>
+                        <a:t>격투가</a:t>
+                      </a:r>
+                      <a:r>
+                        <a:rPr lang="en-US" altLang="ko-KR" sz="1400" dirty="0"/>
+                        <a:t>, </a:t>
+                      </a:r>
+                      <a:r>
+                        <a:rPr lang="ko-KR" altLang="en-US" sz="1400" dirty="0"/>
+                        <a:t>검사</a:t>
+                      </a:r>
+                      <a:r>
+                        <a:rPr lang="en-US" altLang="ko-KR" sz="1400" dirty="0"/>
+                        <a:t>)</a:t>
+                      </a:r>
+                      <a:endParaRPr lang="ko-KR" altLang="en-US" sz="1400" dirty="0"/>
                     </a:p>
                   </a:txBody>
                   <a:tcPr/>
@@ -4676,85 +4737,7 @@
                   </a:ext>
                 </a:extLst>
               </a:tr>
-              <a:tr h="625870">
-                <a:tc>
-                  <a:txBody>
-                    <a:bodyPr/>
-                    <a:lstStyle/>
-                    <a:p>
-                      <a:pPr algn="ctr" latinLnBrk="1"/>
-                      <a:r>
-                        <a:rPr lang="ko-KR" altLang="en-US" dirty="0"/>
-                        <a:t>캐릭터</a:t>
-                      </a:r>
-                      <a:endParaRPr lang="en-US" altLang="ko-KR" dirty="0"/>
-                    </a:p>
-                    <a:p>
-                      <a:pPr algn="ctr" latinLnBrk="1"/>
-                      <a:r>
-                        <a:rPr lang="ko-KR" altLang="en-US" dirty="0"/>
-                        <a:t>기술</a:t>
-                      </a:r>
-                      <a:endParaRPr lang="en-US" altLang="ko-KR" dirty="0"/>
-                    </a:p>
-                  </a:txBody>
-                  <a:tcPr anchor="ctr"/>
-                </a:tc>
-                <a:tc>
-                  <a:txBody>
-                    <a:bodyPr/>
-                    <a:lstStyle/>
-                    <a:p>
-                      <a:pPr latinLnBrk="1"/>
-                      <a:r>
-                        <a:rPr lang="ko-KR" altLang="en-US" sz="1400" dirty="0"/>
-                        <a:t>기본적인 공격과 스킬 </a:t>
-                      </a:r>
-                      <a:r>
-                        <a:rPr lang="en-US" altLang="ko-KR" sz="1400" dirty="0"/>
-                        <a:t>1</a:t>
-                      </a:r>
-                      <a:r>
-                        <a:rPr lang="ko-KR" altLang="en-US" sz="1400" dirty="0"/>
-                        <a:t>가지</a:t>
-                      </a:r>
-                    </a:p>
-                  </a:txBody>
-                  <a:tcPr/>
-                </a:tc>
-                <a:tc>
-                  <a:txBody>
-                    <a:bodyPr/>
-                    <a:lstStyle/>
-                    <a:p>
-                      <a:pPr latinLnBrk="1"/>
-                      <a:r>
-                        <a:rPr lang="ko-KR" altLang="en-US" sz="1400" dirty="0"/>
-                        <a:t>캐릭터마다 다양한 스킬과 추가적인 </a:t>
-                      </a:r>
-                      <a:r>
-                        <a:rPr lang="ko-KR" altLang="en-US" sz="1400" dirty="0" err="1"/>
-                        <a:t>필살기</a:t>
-                      </a:r>
-                      <a:r>
-                        <a:rPr lang="en-US" altLang="ko-KR" sz="1400" dirty="0"/>
-                        <a:t>, </a:t>
-                      </a:r>
-                      <a:r>
-                        <a:rPr lang="ko-KR" altLang="en-US" sz="1400" dirty="0"/>
-                        <a:t>특수능력 </a:t>
-                      </a:r>
-                    </a:p>
-                  </a:txBody>
-                  <a:tcPr/>
-                </a:tc>
-                <a:extLst>
-                  <a:ext uri="{0D108BD9-81ED-4DB2-BD59-A6C34878D82A}">
-                    <a16:rowId xmlns:a16="http://schemas.microsoft.com/office/drawing/2014/main" val="2836460197"/>
-                  </a:ext>
-                </a:extLst>
-              </a:tr>
-              <a:tr h="625870">
+              <a:tr h="627585">
                 <a:tc>
                   <a:txBody>
                     <a:bodyPr/>
@@ -4777,8 +4760,12 @@
                     <a:p>
                       <a:pPr latinLnBrk="1"/>
                       <a:r>
+                        <a:rPr lang="ko-KR" altLang="en-US" sz="1400" dirty="0" err="1"/>
+                        <a:t>상화좌우의</a:t>
+                      </a:r>
+                      <a:r>
                         <a:rPr lang="ko-KR" altLang="en-US" sz="1400" dirty="0"/>
-                        <a:t>단순한 움직임과 공격패턴</a:t>
+                        <a:t> 단순한 움직임과 공격패턴</a:t>
                       </a:r>
                     </a:p>
                   </a:txBody>
@@ -4791,8 +4778,8 @@
                     <a:p>
                       <a:pPr latinLnBrk="1"/>
                       <a:r>
-                        <a:rPr lang="ko-KR" altLang="en-US" sz="1400" dirty="0"/>
-                        <a:t>다양하고 변칙적인 움직임과 공격패턴</a:t>
+                        <a:rPr lang="ko-KR" altLang="en-US" sz="1400" dirty="0" err="1"/>
+                        <a:t>상화좌우</a:t>
                       </a:r>
                       <a:r>
                         <a:rPr lang="en-US" altLang="ko-KR" sz="1400" dirty="0"/>
@@ -4800,7 +4787,23 @@
                       </a:r>
                       <a:r>
                         <a:rPr lang="ko-KR" altLang="en-US" sz="1400" dirty="0"/>
-                        <a:t>주기적인 스킬과 적군 종류에 따라 다른 특성</a:t>
+                        <a:t>대각선</a:t>
+                      </a:r>
+                      <a:r>
+                        <a:rPr lang="en-US" altLang="ko-KR" sz="1400" dirty="0"/>
+                        <a:t>, </a:t>
+                      </a:r>
+                      <a:r>
+                        <a:rPr lang="ko-KR" altLang="en-US" sz="1400" dirty="0"/>
+                        <a:t>곡선 등 변칙적인 움직임과 공격패턴</a:t>
+                      </a:r>
+                      <a:r>
+                        <a:rPr lang="en-US" altLang="ko-KR" sz="1400" dirty="0"/>
+                        <a:t>, </a:t>
+                      </a:r>
+                      <a:r>
+                        <a:rPr lang="ko-KR" altLang="en-US" sz="1400" dirty="0"/>
+                        <a:t>주기적인 스킬을 사용</a:t>
                       </a:r>
                     </a:p>
                   </a:txBody>
@@ -4812,7 +4815,7 @@
                   </a:ext>
                 </a:extLst>
               </a:tr>
-              <a:tr h="625870">
+              <a:tr h="627585">
                 <a:tc>
                   <a:txBody>
                     <a:bodyPr/>
@@ -4835,7 +4838,15 @@
                       <a:pPr latinLnBrk="1"/>
                       <a:r>
                         <a:rPr lang="ko-KR" altLang="en-US" sz="1400" dirty="0"/>
-                        <a:t>시간의 흐름에 따라서 증가하는 </a:t>
+                        <a:t>시간의 흐름에 따라 적군의 수 증가</a:t>
+                      </a:r>
+                      <a:r>
+                        <a:rPr lang="en-US" altLang="ko-KR" sz="1400" dirty="0"/>
+                        <a:t>, </a:t>
+                      </a:r>
+                      <a:r>
+                        <a:rPr lang="ko-KR" altLang="en-US" sz="1400" dirty="0"/>
+                        <a:t>적군의 종류는 </a:t>
                       </a:r>
                       <a:r>
                         <a:rPr lang="en-US" altLang="ko-KR" sz="1400" dirty="0"/>
@@ -4843,7 +4854,7 @@
                       </a:r>
                       <a:r>
                         <a:rPr lang="ko-KR" altLang="en-US" sz="1400" dirty="0"/>
-                        <a:t>가지 이하의 적군과 한가지 스테이지 </a:t>
+                        <a:t>가지 </a:t>
                       </a:r>
                     </a:p>
                   </a:txBody>
@@ -4857,7 +4868,7 @@
                       <a:pPr latinLnBrk="1"/>
                       <a:r>
                         <a:rPr lang="ko-KR" altLang="en-US" sz="1400" dirty="0"/>
-                        <a:t>시간의 흐름에 따라 증가하는 </a:t>
+                        <a:t>시간의 흐름에 따라 증가하는 능력치와 스킬이 다른 </a:t>
                       </a:r>
                       <a:r>
                         <a:rPr lang="en-US" altLang="ko-KR" sz="1400" dirty="0"/>
@@ -4865,15 +4876,7 @@
                       </a:r>
                       <a:r>
                         <a:rPr lang="ko-KR" altLang="en-US" sz="1400" dirty="0"/>
-                        <a:t>가지 이상의 적군과 다양한 스테이지</a:t>
-                      </a:r>
-                      <a:r>
-                        <a:rPr lang="en-US" altLang="ko-KR" sz="1400" dirty="0"/>
-                        <a:t>, </a:t>
-                      </a:r>
-                      <a:r>
-                        <a:rPr lang="ko-KR" altLang="en-US" sz="1400" dirty="0"/>
-                        <a:t>보스 </a:t>
+                        <a:t>가지 이상의 적군</a:t>
                       </a:r>
                     </a:p>
                   </a:txBody>
@@ -4885,7 +4888,7 @@
                   </a:ext>
                 </a:extLst>
               </a:tr>
-              <a:tr h="625870">
+              <a:tr h="627585">
                 <a:tc>
                   <a:txBody>
                     <a:bodyPr/>
@@ -4893,10 +4896,9 @@
                     <a:p>
                       <a:pPr algn="ctr" latinLnBrk="1"/>
                       <a:r>
-                        <a:rPr lang="en-US" altLang="ko-KR" dirty="0"/>
-                        <a:t>UI</a:t>
-                      </a:r>
-                      <a:endParaRPr lang="ko-KR" altLang="en-US" dirty="0"/>
+                        <a:rPr lang="ko-KR" altLang="en-US" dirty="0"/>
+                        <a:t>게임기능</a:t>
+                      </a:r>
                     </a:p>
                   </a:txBody>
                   <a:tcPr anchor="ctr"/>
@@ -4909,7 +4911,15 @@
                       <a:pPr latinLnBrk="1"/>
                       <a:r>
                         <a:rPr lang="ko-KR" altLang="en-US" sz="1400" dirty="0"/>
-                        <a:t>게임 스타트</a:t>
+                        <a:t>오래 생존할 수록 점수 증가</a:t>
+                      </a:r>
+                      <a:endParaRPr lang="en-US" altLang="ko-KR" sz="1400" dirty="0"/>
+                    </a:p>
+                    <a:p>
+                      <a:pPr latinLnBrk="1"/>
+                      <a:r>
+                        <a:rPr lang="ko-KR" altLang="en-US" sz="1400" dirty="0"/>
+                        <a:t>일정시간마다 스킬 충전</a:t>
                       </a:r>
                       <a:r>
                         <a:rPr lang="en-US" altLang="ko-KR" sz="1400" dirty="0"/>
@@ -4917,19 +4927,85 @@
                       </a:r>
                       <a:r>
                         <a:rPr lang="ko-KR" altLang="en-US" sz="1400" dirty="0"/>
-                        <a:t>점수</a:t>
+                        <a:t>공격 변화 </a:t>
+                      </a:r>
+                      <a:endParaRPr lang="en-US" altLang="ko-KR" sz="1400" dirty="0"/>
+                    </a:p>
+                  </a:txBody>
+                  <a:tcPr/>
+                </a:tc>
+                <a:tc>
+                  <a:txBody>
+                    <a:bodyPr/>
+                    <a:lstStyle/>
+                    <a:p>
+                      <a:pPr latinLnBrk="1"/>
+                      <a:r>
+                        <a:rPr lang="ko-KR" altLang="en-US" sz="1400" dirty="0"/>
+                        <a:t>스킬을 구매할 수 있는 </a:t>
+                      </a:r>
+                      <a:r>
+                        <a:rPr lang="ko-KR" altLang="en-US" sz="1400" dirty="0" err="1"/>
+                        <a:t>아이템샵과</a:t>
+                      </a:r>
+                      <a:r>
+                        <a:rPr lang="ko-KR" altLang="en-US" sz="1400" dirty="0"/>
+                        <a:t> 캐릭터 업그레이드 기능 </a:t>
+                      </a:r>
+                    </a:p>
+                  </a:txBody>
+                  <a:tcPr/>
+                </a:tc>
+                <a:extLst>
+                  <a:ext uri="{0D108BD9-81ED-4DB2-BD59-A6C34878D82A}">
+                    <a16:rowId xmlns:a16="http://schemas.microsoft.com/office/drawing/2014/main" val="594237087"/>
+                  </a:ext>
+                </a:extLst>
+              </a:tr>
+              <a:tr h="627585">
+                <a:tc>
+                  <a:txBody>
+                    <a:bodyPr/>
+                    <a:lstStyle/>
+                    <a:p>
+                      <a:pPr algn="ctr" latinLnBrk="1"/>
+                      <a:r>
+                        <a:rPr lang="ko-KR" altLang="en-US" dirty="0"/>
+                        <a:t>맵</a:t>
+                      </a:r>
+                    </a:p>
+                  </a:txBody>
+                  <a:tcPr anchor="ctr"/>
+                </a:tc>
+                <a:tc>
+                  <a:txBody>
+                    <a:bodyPr/>
+                    <a:lstStyle/>
+                    <a:p>
+                      <a:pPr latinLnBrk="1"/>
+                      <a:r>
+                        <a:rPr lang="ko-KR" altLang="en-US" sz="1400" dirty="0"/>
+                        <a:t>스테이지 </a:t>
                       </a:r>
                       <a:r>
                         <a:rPr lang="en-US" altLang="ko-KR" sz="1400" dirty="0"/>
-                        <a:t>, </a:t>
+                        <a:t>1</a:t>
                       </a:r>
                       <a:r>
                         <a:rPr lang="ko-KR" altLang="en-US" sz="1400" dirty="0"/>
-                        <a:t>게임오버 등 기본적인</a:t>
+                        <a:t>개</a:t>
                       </a:r>
                       <a:r>
                         <a:rPr lang="en-US" altLang="ko-KR" sz="1400" dirty="0"/>
-                        <a:t>UI</a:t>
+                        <a:t>(</a:t>
+                      </a:r>
+                      <a:r>
+                        <a:rPr lang="ko-KR" altLang="en-US" sz="1400" dirty="0"/>
+                        <a:t>우주</a:t>
+                      </a:r>
+                      <a:r>
+                        <a:rPr lang="en-US" altLang="ko-KR" sz="1400" dirty="0"/>
+                        <a:t>)</a:t>
                       </a:r>
                       <a:endParaRPr lang="ko-KR" altLang="en-US" sz="1400" dirty="0"/>
                     </a:p>
@@ -4942,60 +5018,46 @@
                     <a:lstStyle/>
                     <a:p>
                       <a:pPr latinLnBrk="1"/>
-                      <a:endParaRPr lang="ko-KR" altLang="en-US" sz="1400" dirty="0"/>
-                    </a:p>
-                  </a:txBody>
-                  <a:tcPr/>
-                </a:tc>
-                <a:extLst>
-                  <a:ext uri="{0D108BD9-81ED-4DB2-BD59-A6C34878D82A}">
-                    <a16:rowId xmlns:a16="http://schemas.microsoft.com/office/drawing/2014/main" val="594237087"/>
-                  </a:ext>
-                </a:extLst>
-              </a:tr>
-              <a:tr h="625870">
-                <a:tc>
-                  <a:txBody>
-                    <a:bodyPr/>
-                    <a:lstStyle/>
-                    <a:p>
-                      <a:pPr algn="ctr" latinLnBrk="1"/>
-                      <a:r>
-                        <a:rPr lang="ko-KR" altLang="en-US" dirty="0"/>
-                        <a:t>게임 기능 </a:t>
-                      </a:r>
-                    </a:p>
-                  </a:txBody>
-                  <a:tcPr anchor="ctr"/>
-                </a:tc>
-                <a:tc>
-                  <a:txBody>
-                    <a:bodyPr/>
-                    <a:lstStyle/>
-                    <a:p>
-                      <a:pPr latinLnBrk="1"/>
                       <a:r>
                         <a:rPr lang="ko-KR" altLang="en-US" sz="1400" dirty="0"/>
-                        <a:t>적군 제거 시 점수상승</a:t>
+                        <a:t>스테이지 </a:t>
                       </a:r>
                       <a:r>
                         <a:rPr lang="en-US" altLang="ko-KR" sz="1400" dirty="0"/>
-                        <a:t>, </a:t>
-                      </a:r>
-                    </a:p>
-                    <a:p>
-                      <a:pPr latinLnBrk="1"/>
-                      <a:endParaRPr lang="ko-KR" altLang="en-US" sz="1400" dirty="0"/>
-                    </a:p>
-                  </a:txBody>
-                  <a:tcPr/>
-                </a:tc>
-                <a:tc>
-                  <a:txBody>
-                    <a:bodyPr/>
-                    <a:lstStyle/>
-                    <a:p>
-                      <a:pPr latinLnBrk="1"/>
+                        <a:t>3</a:t>
+                      </a:r>
+                      <a:r>
+                        <a:rPr lang="ko-KR" altLang="en-US" sz="1400" dirty="0"/>
+                        <a:t>개</a:t>
+                      </a:r>
+                      <a:r>
+                        <a:rPr lang="en-US" altLang="ko-KR" sz="1400" dirty="0"/>
+                        <a:t>(</a:t>
+                      </a:r>
+                      <a:r>
+                        <a:rPr lang="ko-KR" altLang="en-US" sz="1400" dirty="0"/>
+                        <a:t>우주</a:t>
+                      </a:r>
+                      <a:r>
+                        <a:rPr lang="en-US" altLang="ko-KR" sz="1400" dirty="0"/>
+                        <a:t>,</a:t>
+                      </a:r>
+                      <a:r>
+                        <a:rPr lang="ko-KR" altLang="en-US" sz="1400" dirty="0"/>
+                        <a:t>외계행성</a:t>
+                      </a:r>
+                      <a:r>
+                        <a:rPr lang="en-US" altLang="ko-KR" sz="1400" dirty="0"/>
+                        <a:t>,</a:t>
+                      </a:r>
+                      <a:r>
+                        <a:rPr lang="ko-KR" altLang="en-US" sz="1400" dirty="0"/>
+                        <a:t>블랙홀</a:t>
+                      </a:r>
+                      <a:r>
+                        <a:rPr lang="en-US" altLang="ko-KR" sz="1400" dirty="0"/>
+                        <a:t>)</a:t>
+                      </a:r>
                       <a:endParaRPr lang="ko-KR" altLang="en-US" sz="1400" dirty="0"/>
                     </a:p>
                   </a:txBody>
@@ -5007,7 +5069,7 @@
                   </a:ext>
                 </a:extLst>
               </a:tr>
-              <a:tr h="625870">
+              <a:tr h="627585">
                 <a:tc>
                   <a:txBody>
                     <a:bodyPr/>
@@ -5050,7 +5112,15 @@
                       </a:r>
                       <a:r>
                         <a:rPr lang="en-US" altLang="ko-KR" sz="1400" dirty="0"/>
-                        <a:t>,</a:t>
+                        <a:t>, </a:t>
+                      </a:r>
+                      <a:r>
+                        <a:rPr lang="ko-KR" altLang="en-US" sz="1400" dirty="0"/>
+                        <a:t>공격</a:t>
+                      </a:r>
+                      <a:r>
+                        <a:rPr lang="en-US" altLang="ko-KR" sz="1400" dirty="0"/>
+                        <a:t>, </a:t>
                       </a:r>
                       <a:r>
                         <a:rPr lang="ko-KR" altLang="en-US" sz="1400" dirty="0"/>
@@ -5068,8 +5138,29 @@
                       <a:pPr latinLnBrk="1"/>
                       <a:r>
                         <a:rPr lang="ko-KR" altLang="en-US" sz="1400" dirty="0"/>
-                        <a:t>적군에 따라 다른</a:t>
-                      </a:r>
+                        <a:t>적군에 따라 다른 등장음악</a:t>
+                      </a:r>
+                      <a:r>
+                        <a:rPr lang="en-US" altLang="ko-KR" sz="1400" dirty="0"/>
+                        <a:t>, </a:t>
+                      </a:r>
+                      <a:r>
+                        <a:rPr lang="ko-KR" altLang="en-US" sz="1400" dirty="0"/>
+                        <a:t>스테이지마다 다른 음악</a:t>
+                      </a:r>
+                      <a:r>
+                        <a:rPr lang="en-US" altLang="ko-KR" sz="1400" dirty="0"/>
+                        <a:t>,</a:t>
+                      </a:r>
+                      <a:r>
+                        <a:rPr lang="ko-KR" altLang="en-US" sz="1400" dirty="0"/>
+                        <a:t> 캐릭터에 따라 다른 공격과 </a:t>
+                      </a:r>
+                      <a:r>
+                        <a:rPr lang="ko-KR" altLang="en-US" sz="1400" dirty="0" err="1"/>
+                        <a:t>스킬음</a:t>
+                      </a:r>
+                      <a:endParaRPr lang="ko-KR" altLang="en-US" sz="1400" dirty="0"/>
                     </a:p>
                   </a:txBody>
                   <a:tcPr/>
@@ -5262,14 +5353,14 @@
           <p:nvPr>
             <p:extLst>
               <p:ext uri="{D42A27DB-BD31-4B8C-83A1-F6EECF244321}">
-                <p14:modId xmlns:p14="http://schemas.microsoft.com/office/powerpoint/2010/main" val="757439665"/>
+                <p14:modId xmlns:p14="http://schemas.microsoft.com/office/powerpoint/2010/main" val="1734725828"/>
               </p:ext>
             </p:extLst>
           </p:nvPr>
         </p:nvGraphicFramePr>
         <p:xfrm>
           <a:off x="1500189" y="1705186"/>
-          <a:ext cx="9258300" cy="5127117"/>
+          <a:ext cx="9258300" cy="4895640"/>
         </p:xfrm>
         <a:graphic>
           <a:graphicData uri="http://schemas.openxmlformats.org/drawingml/2006/table">
@@ -5300,7 +5391,7 @@
                   </a:extLst>
                 </a:gridCol>
               </a:tblGrid>
-              <a:tr h="505333">
+              <a:tr h="611955">
                 <a:tc>
                   <a:txBody>
                     <a:bodyPr/>
@@ -5314,20 +5405,6 @@
                       <a:r>
                         <a:rPr lang="ko-KR" altLang="en-US" b="0" dirty="0"/>
                         <a:t>주차</a:t>
-                      </a:r>
-                    </a:p>
-                  </a:txBody>
-                  <a:tcPr/>
-                </a:tc>
-                <a:tc>
-                  <a:txBody>
-                    <a:bodyPr/>
-                    <a:lstStyle/>
-                    <a:p>
-                      <a:pPr latinLnBrk="1"/>
-                      <a:r>
-                        <a:rPr lang="ko-KR" altLang="en-US" sz="1600" b="0" dirty="0"/>
-                        <a:t>리소스 수집</a:t>
                       </a:r>
                     </a:p>
                   </a:txBody>
@@ -5341,11 +5418,64 @@
                       <a:pPr latinLnBrk="1"/>
                       <a:r>
                         <a:rPr lang="ko-KR" altLang="en-US" sz="1600" b="0" dirty="0"/>
+                        <a:t>리소스 수집</a:t>
+                      </a:r>
+                    </a:p>
+                  </a:txBody>
+                  <a:tcPr anchor="ctr"/>
+                </a:tc>
+                <a:tc>
+                  <a:txBody>
+                    <a:bodyPr/>
+                    <a:lstStyle/>
+                    <a:p>
+                      <a:pPr latinLnBrk="1"/>
+                      <a:r>
+                        <a:rPr lang="ko-KR" altLang="en-US" sz="1400" b="0" dirty="0"/>
                         <a:t>게임 개발에 필요한 리소스를 수집한다</a:t>
                       </a:r>
                       <a:r>
-                        <a:rPr lang="en-US" altLang="ko-KR" sz="1600" b="0" dirty="0"/>
-                        <a:t>.</a:t>
+                        <a:rPr lang="en-US" altLang="ko-KR" sz="1400" b="0" dirty="0"/>
+                        <a:t>. </a:t>
+                      </a:r>
+                    </a:p>
+                    <a:p>
+                      <a:pPr latinLnBrk="1"/>
+                      <a:r>
+                        <a:rPr lang="en-US" altLang="ko-KR" sz="1400" b="0" dirty="0"/>
+                        <a:t>(</a:t>
+                      </a:r>
+                      <a:r>
+                        <a:rPr lang="ko-KR" altLang="en-US" sz="1400" b="0" dirty="0"/>
+                        <a:t>아군 캐릭터</a:t>
+                      </a:r>
+                      <a:r>
+                        <a:rPr lang="en-US" altLang="ko-KR" sz="1400" b="0" dirty="0"/>
+                        <a:t>, </a:t>
+                      </a:r>
+                      <a:r>
+                        <a:rPr lang="ko-KR" altLang="en-US" sz="1400" b="0" dirty="0"/>
+                        <a:t>적군 캐릭터</a:t>
+                      </a:r>
+                      <a:r>
+                        <a:rPr lang="en-US" altLang="ko-KR" sz="1400" b="0" dirty="0"/>
+                        <a:t>, </a:t>
+                      </a:r>
+                      <a:r>
+                        <a:rPr lang="ko-KR" altLang="en-US" sz="1400" b="0" dirty="0"/>
+                        <a:t>배경화면</a:t>
+                      </a:r>
+                      <a:r>
+                        <a:rPr lang="en-US" altLang="ko-KR" sz="1400" b="0" dirty="0"/>
+                        <a:t>, </a:t>
+                      </a:r>
+                      <a:r>
+                        <a:rPr lang="ko-KR" altLang="en-US" sz="1400" b="0" dirty="0"/>
+                        <a:t>스킬</a:t>
+                      </a:r>
+                      <a:r>
+                        <a:rPr lang="en-US" altLang="ko-KR" sz="1400" b="0" dirty="0"/>
+                        <a:t>)</a:t>
                       </a:r>
                     </a:p>
                   </a:txBody>
@@ -5357,7 +5487,7 @@
                   </a:ext>
                 </a:extLst>
               </a:tr>
-              <a:tr h="505333">
+              <a:tr h="611955">
                 <a:tc>
                   <a:txBody>
                     <a:bodyPr/>
@@ -5371,20 +5501,6 @@
                       <a:r>
                         <a:rPr lang="ko-KR" altLang="en-US" dirty="0"/>
                         <a:t>주차</a:t>
-                      </a:r>
-                    </a:p>
-                  </a:txBody>
-                  <a:tcPr/>
-                </a:tc>
-                <a:tc>
-                  <a:txBody>
-                    <a:bodyPr/>
-                    <a:lstStyle/>
-                    <a:p>
-                      <a:pPr latinLnBrk="1"/>
-                      <a:r>
-                        <a:rPr lang="ko-KR" altLang="en-US" sz="1600" dirty="0"/>
-                        <a:t>캐릭터 오브젝트</a:t>
                       </a:r>
                     </a:p>
                   </a:txBody>
@@ -5398,13 +5514,39 @@
                       <a:pPr latinLnBrk="1"/>
                       <a:r>
                         <a:rPr lang="ko-KR" altLang="en-US" sz="1600" dirty="0"/>
-                        <a:t>주인공 오브젝트를 구현한다</a:t>
-                      </a:r>
-                      <a:r>
-                        <a:rPr lang="en-US" altLang="ko-KR" sz="1600" dirty="0"/>
-                        <a:t>. </a:t>
-                      </a:r>
-                      <a:endParaRPr lang="ko-KR" altLang="en-US" sz="1600" dirty="0"/>
+                        <a:t>캐릭터 오브젝트</a:t>
+                      </a:r>
+                    </a:p>
+                  </a:txBody>
+                  <a:tcPr anchor="ctr"/>
+                </a:tc>
+                <a:tc>
+                  <a:txBody>
+                    <a:bodyPr/>
+                    <a:lstStyle/>
+                    <a:p>
+                      <a:pPr latinLnBrk="1"/>
+                      <a:r>
+                        <a:rPr lang="ko-KR" altLang="en-US" sz="1400" dirty="0"/>
+                        <a:t>게이머가 직접 조종하는 주인공 오브젝트의 기본 초기값과 이미지</a:t>
+                      </a:r>
+                      <a:r>
+                        <a:rPr lang="en-US" altLang="ko-KR" sz="1400" dirty="0"/>
+                        <a:t>, </a:t>
+                      </a:r>
+                      <a:r>
+                        <a:rPr lang="ko-KR" altLang="en-US" sz="1400" dirty="0" err="1"/>
+                        <a:t>움직임등을</a:t>
+                      </a:r>
+                      <a:r>
+                        <a:rPr lang="ko-KR" altLang="en-US" sz="1400" dirty="0"/>
+                        <a:t> 설정하여 객체를 생성한다</a:t>
+                      </a:r>
+                      <a:r>
+                        <a:rPr lang="en-US" altLang="ko-KR" sz="1400" dirty="0"/>
+                        <a:t>.</a:t>
+                      </a:r>
+                      <a:endParaRPr lang="ko-KR" altLang="en-US" sz="1400" dirty="0"/>
                     </a:p>
                   </a:txBody>
                   <a:tcPr/>
@@ -5415,7 +5557,7 @@
                   </a:ext>
                 </a:extLst>
               </a:tr>
-              <a:tr h="505333">
+              <a:tr h="611955">
                 <a:tc>
                   <a:txBody>
                     <a:bodyPr/>
@@ -5429,20 +5571,6 @@
                       <a:r>
                         <a:rPr lang="ko-KR" altLang="en-US" dirty="0"/>
                         <a:t>주차</a:t>
-                      </a:r>
-                    </a:p>
-                  </a:txBody>
-                  <a:tcPr/>
-                </a:tc>
-                <a:tc>
-                  <a:txBody>
-                    <a:bodyPr/>
-                    <a:lstStyle/>
-                    <a:p>
-                      <a:pPr latinLnBrk="1"/>
-                      <a:r>
-                        <a:rPr lang="ko-KR" altLang="en-US" sz="1600" dirty="0"/>
-                        <a:t>컨트롤 구현 </a:t>
                       </a:r>
                     </a:p>
                   </a:txBody>
@@ -5456,13 +5584,39 @@
                       <a:pPr latinLnBrk="1"/>
                       <a:r>
                         <a:rPr lang="ko-KR" altLang="en-US" sz="1600" dirty="0"/>
-                        <a:t>캐릭터에 대한 컨트롤을 구현한다</a:t>
-                      </a:r>
-                      <a:r>
-                        <a:rPr lang="en-US" altLang="ko-KR" sz="1600" dirty="0"/>
+                        <a:t>적군 오브젝트 </a:t>
+                      </a:r>
+                    </a:p>
+                  </a:txBody>
+                  <a:tcPr anchor="ctr"/>
+                </a:tc>
+                <a:tc>
+                  <a:txBody>
+                    <a:bodyPr/>
+                    <a:lstStyle/>
+                    <a:p>
+                      <a:pPr latinLnBrk="1"/>
+                      <a:r>
+                        <a:rPr lang="ko-KR" altLang="en-US" sz="1400" dirty="0"/>
+                        <a:t>적군의 오브젝트를 종류에 따라 다른 이미지와 움직임</a:t>
+                      </a:r>
+                      <a:r>
+                        <a:rPr lang="en-US" altLang="ko-KR" sz="1400" dirty="0"/>
+                        <a:t>, </a:t>
+                      </a:r>
+                      <a:r>
+                        <a:rPr lang="ko-KR" altLang="en-US" sz="1400" dirty="0" err="1"/>
+                        <a:t>능력치값</a:t>
+                      </a:r>
+                      <a:r>
+                        <a:rPr lang="ko-KR" altLang="en-US" sz="1400" dirty="0"/>
+                        <a:t> 등을 설정하여 객체를 생성한다</a:t>
+                      </a:r>
+                      <a:r>
+                        <a:rPr lang="en-US" altLang="ko-KR" sz="1400" dirty="0"/>
                         <a:t>. </a:t>
                       </a:r>
-                      <a:endParaRPr lang="ko-KR" altLang="en-US" sz="1600" dirty="0"/>
+                      <a:endParaRPr lang="ko-KR" altLang="en-US" sz="1400" dirty="0"/>
                     </a:p>
                   </a:txBody>
                   <a:tcPr/>
@@ -5473,7 +5627,7 @@
                   </a:ext>
                 </a:extLst>
               </a:tr>
-              <a:tr h="505333">
+              <a:tr h="611955">
                 <a:tc>
                   <a:txBody>
                     <a:bodyPr/>
@@ -5487,20 +5641,6 @@
                       <a:r>
                         <a:rPr lang="ko-KR" altLang="en-US" dirty="0"/>
                         <a:t>주차</a:t>
-                      </a:r>
-                    </a:p>
-                  </a:txBody>
-                  <a:tcPr/>
-                </a:tc>
-                <a:tc>
-                  <a:txBody>
-                    <a:bodyPr/>
-                    <a:lstStyle/>
-                    <a:p>
-                      <a:pPr latinLnBrk="1"/>
-                      <a:r>
-                        <a:rPr lang="ko-KR" altLang="en-US" sz="1600" dirty="0"/>
-                        <a:t>스킬 구현</a:t>
                       </a:r>
                     </a:p>
                   </a:txBody>
@@ -5514,21 +5654,43 @@
                       <a:pPr latinLnBrk="1"/>
                       <a:r>
                         <a:rPr lang="ko-KR" altLang="en-US" sz="1600" dirty="0"/>
-                        <a:t>주인공 오브젝트가 사용하는 스킬</a:t>
-                      </a:r>
-                      <a:r>
-                        <a:rPr lang="en-US" altLang="ko-KR" sz="1600" dirty="0"/>
-                        <a:t>, </a:t>
-                      </a:r>
-                      <a:r>
-                        <a:rPr lang="ko-KR" altLang="en-US" sz="1600" dirty="0"/>
-                        <a:t>추가로 필살기를 구현한다</a:t>
-                      </a:r>
-                      <a:r>
-                        <a:rPr lang="en-US" altLang="ko-KR" sz="1600" dirty="0"/>
-                        <a:t>.</a:t>
-                      </a:r>
-                      <a:endParaRPr lang="ko-KR" altLang="en-US" sz="1600" dirty="0"/>
+                        <a:t>스킬 구현</a:t>
+                      </a:r>
+                    </a:p>
+                  </a:txBody>
+                  <a:tcPr anchor="ctr"/>
+                </a:tc>
+                <a:tc>
+                  <a:txBody>
+                    <a:bodyPr/>
+                    <a:lstStyle/>
+                    <a:p>
+                      <a:pPr latinLnBrk="1"/>
+                      <a:r>
+                        <a:rPr lang="ko-KR" altLang="en-US" sz="1400" dirty="0"/>
+                        <a:t>주인공 캐릭터와 적군이 사용하는 스킬을 구현한다</a:t>
+                      </a:r>
+                      <a:r>
+                        <a:rPr lang="en-US" altLang="ko-KR" sz="1400" dirty="0"/>
+                        <a:t>. (</a:t>
+                      </a:r>
+                      <a:r>
+                        <a:rPr lang="ko-KR" altLang="en-US" sz="1400" dirty="0"/>
+                        <a:t>종류별로 </a:t>
+                      </a:r>
+                      <a:r>
+                        <a:rPr lang="en-US" altLang="ko-KR" sz="1400" dirty="0"/>
+                        <a:t>1</a:t>
+                      </a:r>
+                      <a:r>
+                        <a:rPr lang="ko-KR" altLang="en-US" sz="1400" dirty="0" err="1"/>
+                        <a:t>가지씩</a:t>
+                      </a:r>
+                      <a:r>
+                        <a:rPr lang="en-US" altLang="ko-KR" sz="1400" dirty="0"/>
+                        <a:t>)</a:t>
+                      </a:r>
+                      <a:endParaRPr lang="ko-KR" altLang="en-US" sz="1400" dirty="0"/>
                     </a:p>
                   </a:txBody>
                   <a:tcPr/>
@@ -5539,7 +5701,7 @@
                   </a:ext>
                 </a:extLst>
               </a:tr>
-              <a:tr h="505333">
+              <a:tr h="611955">
                 <a:tc>
                   <a:txBody>
                     <a:bodyPr/>
@@ -5553,20 +5715,6 @@
                       <a:r>
                         <a:rPr lang="ko-KR" altLang="en-US" dirty="0"/>
                         <a:t>주차</a:t>
-                      </a:r>
-                    </a:p>
-                  </a:txBody>
-                  <a:tcPr/>
-                </a:tc>
-                <a:tc>
-                  <a:txBody>
-                    <a:bodyPr/>
-                    <a:lstStyle/>
-                    <a:p>
-                      <a:pPr latinLnBrk="1"/>
-                      <a:r>
-                        <a:rPr lang="ko-KR" altLang="en-US" sz="1600" dirty="0"/>
-                        <a:t>적군 오브젝트</a:t>
                       </a:r>
                     </a:p>
                   </a:txBody>
@@ -5580,11 +5728,25 @@
                       <a:pPr latinLnBrk="1"/>
                       <a:r>
                         <a:rPr lang="ko-KR" altLang="en-US" sz="1600" dirty="0"/>
-                        <a:t>적군 오브젝트를 구현한다</a:t>
-                      </a:r>
-                      <a:r>
-                        <a:rPr lang="en-US" altLang="ko-KR" sz="1600" dirty="0"/>
-                        <a:t>.</a:t>
+                        <a:t>중간점검</a:t>
+                      </a:r>
+                    </a:p>
+                  </a:txBody>
+                  <a:tcPr anchor="ctr"/>
+                </a:tc>
+                <a:tc>
+                  <a:txBody>
+                    <a:bodyPr/>
+                    <a:lstStyle/>
+                    <a:p>
+                      <a:pPr latinLnBrk="1"/>
+                      <a:r>
+                        <a:rPr lang="ko-KR" altLang="en-US" sz="1400" dirty="0"/>
+                        <a:t>중간 점검하고 시간이 되면 필살기와 그 외 추가 구현한다</a:t>
+                      </a:r>
+                      <a:r>
+                        <a:rPr lang="en-US" altLang="ko-KR" sz="1400" dirty="0"/>
+                        <a:t>. </a:t>
                       </a:r>
                     </a:p>
                   </a:txBody>
@@ -5596,7 +5758,7 @@
                   </a:ext>
                 </a:extLst>
               </a:tr>
-              <a:tr h="505333">
+              <a:tr h="611955">
                 <a:tc>
                   <a:txBody>
                     <a:bodyPr/>
@@ -5610,24 +5772,6 @@
                       <a:r>
                         <a:rPr lang="ko-KR" altLang="en-US" dirty="0"/>
                         <a:t>주차</a:t>
-                      </a:r>
-                    </a:p>
-                  </a:txBody>
-                  <a:tcPr/>
-                </a:tc>
-                <a:tc>
-                  <a:txBody>
-                    <a:bodyPr/>
-                    <a:lstStyle/>
-                    <a:p>
-                      <a:pPr latinLnBrk="1"/>
-                      <a:r>
-                        <a:rPr lang="en-US" altLang="ko-KR" sz="1600" dirty="0"/>
-                        <a:t>AI</a:t>
-                      </a:r>
-                      <a:r>
-                        <a:rPr lang="ko-KR" altLang="en-US" sz="1600" dirty="0"/>
-                        <a:t>구현</a:t>
                       </a:r>
                     </a:p>
                   </a:txBody>
@@ -5640,13 +5784,72 @@
                     <a:p>
                       <a:pPr latinLnBrk="1"/>
                       <a:r>
+                        <a:rPr lang="ko-KR" altLang="en-US" sz="1600" dirty="0" err="1"/>
+                        <a:t>맵과</a:t>
+                      </a:r>
+                      <a:r>
                         <a:rPr lang="ko-KR" altLang="en-US" sz="1600" dirty="0"/>
-                        <a:t>적군 오브젝트의 움직임과 공격패턴 등을 상세히 구현한다</a:t>
+                        <a:t> </a:t>
                       </a:r>
                       <a:r>
                         <a:rPr lang="en-US" altLang="ko-KR" sz="1600" dirty="0"/>
-                        <a:t>.</a:t>
-                      </a:r>
+                        <a:t>UI </a:t>
+                      </a:r>
+                      <a:r>
+                        <a:rPr lang="ko-KR" altLang="en-US" sz="1600" dirty="0"/>
+                        <a:t>구현 </a:t>
+                      </a:r>
+                    </a:p>
+                  </a:txBody>
+                  <a:tcPr anchor="ctr"/>
+                </a:tc>
+                <a:tc>
+                  <a:txBody>
+                    <a:bodyPr/>
+                    <a:lstStyle/>
+                    <a:p>
+                      <a:pPr latinLnBrk="1"/>
+                      <a:r>
+                        <a:rPr lang="ko-KR" altLang="en-US" sz="1400" dirty="0"/>
+                        <a:t>점수</a:t>
+                      </a:r>
+                      <a:r>
+                        <a:rPr lang="en-US" altLang="ko-KR" sz="1400" dirty="0"/>
+                        <a:t>, </a:t>
+                      </a:r>
+                      <a:r>
+                        <a:rPr lang="ko-KR" altLang="en-US" sz="1400" dirty="0"/>
+                        <a:t>스킬 개수</a:t>
+                      </a:r>
+                      <a:r>
+                        <a:rPr lang="en-US" altLang="ko-KR" sz="1400" dirty="0"/>
+                        <a:t>, HP, </a:t>
+                      </a:r>
+                      <a:r>
+                        <a:rPr lang="ko-KR" altLang="en-US" sz="1400" dirty="0"/>
+                        <a:t>시간이 표시되는 </a:t>
+                      </a:r>
+                      <a:r>
+                        <a:rPr lang="en-US" altLang="ko-KR" sz="1400" dirty="0"/>
+                        <a:t>UI</a:t>
+                      </a:r>
+                      <a:r>
+                        <a:rPr lang="ko-KR" altLang="en-US" sz="1400" dirty="0"/>
+                        <a:t>와 </a:t>
+                      </a:r>
+                      <a:r>
+                        <a:rPr lang="ko-KR" altLang="en-US" sz="1400" dirty="0" err="1"/>
+                        <a:t>스테이지맵을</a:t>
+                      </a:r>
+                      <a:r>
+                        <a:rPr lang="ko-KR" altLang="en-US" sz="1400" dirty="0"/>
+                        <a:t> 구현한다</a:t>
+                      </a:r>
+                      <a:r>
+                        <a:rPr lang="en-US" altLang="ko-KR" sz="1400" dirty="0"/>
+                        <a:t>. </a:t>
+                      </a:r>
+                      <a:endParaRPr lang="ko-KR" altLang="en-US" sz="1400" dirty="0"/>
                     </a:p>
                   </a:txBody>
                   <a:tcPr/>
@@ -5657,7 +5860,7 @@
                   </a:ext>
                 </a:extLst>
               </a:tr>
-              <a:tr h="505333">
+              <a:tr h="611955">
                 <a:tc>
                   <a:txBody>
                     <a:bodyPr/>
@@ -5671,20 +5874,6 @@
                       <a:r>
                         <a:rPr lang="ko-KR" altLang="en-US" dirty="0"/>
                         <a:t>주차</a:t>
-                      </a:r>
-                    </a:p>
-                  </a:txBody>
-                  <a:tcPr/>
-                </a:tc>
-                <a:tc>
-                  <a:txBody>
-                    <a:bodyPr/>
-                    <a:lstStyle/>
-                    <a:p>
-                      <a:pPr latinLnBrk="1"/>
-                      <a:r>
-                        <a:rPr lang="ko-KR" altLang="en-US" sz="1600" dirty="0"/>
-                        <a:t>점검 및 추가 구현 </a:t>
                       </a:r>
                     </a:p>
                   </a:txBody>
@@ -5697,18 +5886,60 @@
                     <a:p>
                       <a:pPr latinLnBrk="1"/>
                       <a:r>
-                        <a:rPr lang="en-US" altLang="ko-KR" sz="1600" dirty="0"/>
-                        <a:t>6</a:t>
-                      </a:r>
-                      <a:r>
                         <a:rPr lang="ko-KR" altLang="en-US" sz="1600" dirty="0"/>
-                        <a:t>주차 까지의 구현 내용을 점검하고 필요한 부분은 추가로 구현한다</a:t>
-                      </a:r>
-                      <a:r>
-                        <a:rPr lang="en-US" altLang="ko-KR" sz="1600" dirty="0"/>
-                        <a:t>.</a:t>
-                      </a:r>
-                      <a:endParaRPr lang="ko-KR" altLang="en-US" sz="1600" dirty="0"/>
+                        <a:t>사운드</a:t>
+                      </a:r>
+                    </a:p>
+                  </a:txBody>
+                  <a:tcPr anchor="ctr"/>
+                </a:tc>
+                <a:tc>
+                  <a:txBody>
+                    <a:bodyPr/>
+                    <a:lstStyle/>
+                    <a:p>
+                      <a:pPr latinLnBrk="1"/>
+                      <a:r>
+                        <a:rPr lang="ko-KR" altLang="en-US" sz="1400" dirty="0"/>
+                        <a:t>스킬</a:t>
+                      </a:r>
+                      <a:r>
+                        <a:rPr lang="en-US" altLang="ko-KR" sz="1400" dirty="0"/>
+                        <a:t>, </a:t>
+                      </a:r>
+                      <a:r>
+                        <a:rPr lang="ko-KR" altLang="en-US" sz="1400" dirty="0"/>
+                        <a:t>피격</a:t>
+                      </a:r>
+                      <a:r>
+                        <a:rPr lang="en-US" altLang="ko-KR" sz="1400" dirty="0"/>
+                        <a:t>, </a:t>
+                      </a:r>
+                      <a:r>
+                        <a:rPr lang="ko-KR" altLang="en-US" sz="1400" dirty="0"/>
+                        <a:t>공격</a:t>
+                      </a:r>
+                      <a:r>
+                        <a:rPr lang="en-US" altLang="ko-KR" sz="1400" dirty="0"/>
+                        <a:t>, </a:t>
+                      </a:r>
+                      <a:r>
+                        <a:rPr lang="ko-KR" altLang="en-US" sz="1400" dirty="0" err="1"/>
+                        <a:t>필살기</a:t>
+                      </a:r>
+                      <a:r>
+                        <a:rPr lang="en-US" altLang="ko-KR" sz="1400" dirty="0"/>
+                        <a:t>, </a:t>
+                      </a:r>
+                      <a:r>
+                        <a:rPr lang="ko-KR" altLang="en-US" sz="1400" dirty="0"/>
+                        <a:t>게임오버 등 전체 사운드를 집어넣는다</a:t>
+                      </a:r>
+                      <a:r>
+                        <a:rPr lang="en-US" altLang="ko-KR" sz="1400" dirty="0"/>
+                        <a:t>. </a:t>
+                      </a:r>
+                      <a:endParaRPr lang="ko-KR" altLang="en-US" sz="1400" dirty="0"/>
                     </a:p>
                   </a:txBody>
                   <a:tcPr/>
@@ -5719,7 +5950,7 @@
                   </a:ext>
                 </a:extLst>
               </a:tr>
-              <a:tr h="505333">
+              <a:tr h="611955">
                 <a:tc>
                   <a:txBody>
                     <a:bodyPr/>
@@ -5733,28 +5964,6 @@
                       <a:r>
                         <a:rPr lang="ko-KR" altLang="en-US" dirty="0"/>
                         <a:t>주차</a:t>
-                      </a:r>
-                    </a:p>
-                  </a:txBody>
-                  <a:tcPr/>
-                </a:tc>
-                <a:tc>
-                  <a:txBody>
-                    <a:bodyPr/>
-                    <a:lstStyle/>
-                    <a:p>
-                      <a:pPr latinLnBrk="1"/>
-                      <a:r>
-                        <a:rPr lang="ko-KR" altLang="en-US" sz="1600" dirty="0"/>
-                        <a:t>맵</a:t>
-                      </a:r>
-                      <a:r>
-                        <a:rPr lang="en-US" altLang="ko-KR" sz="1600" dirty="0"/>
-                        <a:t>, </a:t>
-                      </a:r>
-                      <a:r>
-                        <a:rPr lang="ko-KR" altLang="en-US" sz="1600" dirty="0"/>
-                        <a:t>사운드 구현</a:t>
                       </a:r>
                     </a:p>
                   </a:txBody>
@@ -5768,63 +5977,7 @@
                       <a:pPr latinLnBrk="1"/>
                       <a:r>
                         <a:rPr lang="ko-KR" altLang="en-US" sz="1600" dirty="0"/>
-                        <a:t>배경이 되는 </a:t>
-                      </a:r>
-                      <a:r>
-                        <a:rPr lang="ko-KR" altLang="en-US" sz="1600" dirty="0" err="1"/>
-                        <a:t>맵과</a:t>
-                      </a:r>
-                      <a:r>
-                        <a:rPr lang="ko-KR" altLang="en-US" sz="1600" dirty="0"/>
-                        <a:t> 사운드를 구현한다</a:t>
-                      </a:r>
-                      <a:r>
-                        <a:rPr lang="en-US" altLang="ko-KR" sz="1600" dirty="0"/>
-                        <a:t>. </a:t>
-                      </a:r>
-                      <a:endParaRPr lang="ko-KR" altLang="en-US" sz="1600" dirty="0"/>
-                    </a:p>
-                  </a:txBody>
-                  <a:tcPr/>
-                </a:tc>
-                <a:extLst>
-                  <a:ext uri="{0D108BD9-81ED-4DB2-BD59-A6C34878D82A}">
-                    <a16:rowId xmlns:a16="http://schemas.microsoft.com/office/drawing/2014/main" val="2253083819"/>
-                  </a:ext>
-                </a:extLst>
-              </a:tr>
-              <a:tr h="505333">
-                <a:tc>
-                  <a:txBody>
-                    <a:bodyPr/>
-                    <a:lstStyle/>
-                    <a:p>
-                      <a:pPr algn="ctr" latinLnBrk="1"/>
-                      <a:r>
-                        <a:rPr lang="en-US" altLang="ko-KR" dirty="0"/>
-                        <a:t>9</a:t>
-                      </a:r>
-                      <a:r>
-                        <a:rPr lang="ko-KR" altLang="en-US" dirty="0"/>
-                        <a:t>주차</a:t>
-                      </a:r>
-                    </a:p>
-                  </a:txBody>
-                  <a:tcPr/>
-                </a:tc>
-                <a:tc>
-                  <a:txBody>
-                    <a:bodyPr/>
-                    <a:lstStyle/>
-                    <a:p>
-                      <a:pPr latinLnBrk="1"/>
-                      <a:r>
-                        <a:rPr lang="en-US" altLang="ko-KR" sz="1600" dirty="0"/>
-                        <a:t>UI </a:t>
-                      </a:r>
-                      <a:r>
-                        <a:rPr lang="ko-KR" altLang="en-US" sz="1600" dirty="0"/>
-                        <a:t>구현</a:t>
+                        <a:t>최종 마무리</a:t>
                       </a:r>
                     </a:p>
                   </a:txBody>
@@ -5837,95 +5990,16 @@
                     <a:p>
                       <a:pPr latinLnBrk="1"/>
                       <a:r>
-                        <a:rPr lang="ko-KR" altLang="en-US" sz="1600" dirty="0"/>
-                        <a:t>메뉴</a:t>
-                      </a:r>
-                      <a:r>
-                        <a:rPr lang="en-US" altLang="ko-KR" sz="1600" dirty="0"/>
-                        <a:t>, </a:t>
-                      </a:r>
-                      <a:r>
-                        <a:rPr lang="ko-KR" altLang="en-US" sz="1600" dirty="0"/>
-                        <a:t>점수 등의 </a:t>
-                      </a:r>
-                      <a:r>
-                        <a:rPr lang="en-US" altLang="ko-KR" sz="1600" dirty="0"/>
-                        <a:t>UI</a:t>
-                      </a:r>
-                      <a:r>
-                        <a:rPr lang="ko-KR" altLang="en-US" sz="1600" dirty="0"/>
-                        <a:t>를 구현한다</a:t>
-                      </a:r>
-                      <a:r>
-                        <a:rPr lang="en-US" altLang="ko-KR" sz="1600" dirty="0"/>
-                        <a:t>.</a:t>
-                      </a:r>
-                      <a:endParaRPr lang="ko-KR" altLang="en-US" sz="1600" dirty="0"/>
+                        <a:rPr lang="ko-KR" altLang="en-US" sz="1400" dirty="0"/>
+                        <a:t>최종 마무리 후에 릴리즈 </a:t>
+                      </a:r>
                     </a:p>
                   </a:txBody>
                   <a:tcPr/>
                 </a:tc>
                 <a:extLst>
                   <a:ext uri="{0D108BD9-81ED-4DB2-BD59-A6C34878D82A}">
-                    <a16:rowId xmlns:a16="http://schemas.microsoft.com/office/drawing/2014/main" val="594665395"/>
-                  </a:ext>
-                </a:extLst>
-              </a:tr>
-              <a:tr h="505333">
-                <a:tc>
-                  <a:txBody>
-                    <a:bodyPr/>
-                    <a:lstStyle/>
-                    <a:p>
-                      <a:pPr algn="ctr" latinLnBrk="1"/>
-                      <a:r>
-                        <a:rPr lang="en-US" altLang="ko-KR" dirty="0"/>
-                        <a:t>10</a:t>
-                      </a:r>
-                      <a:r>
-                        <a:rPr lang="ko-KR" altLang="en-US" dirty="0"/>
-                        <a:t>주차</a:t>
-                      </a:r>
-                    </a:p>
-                  </a:txBody>
-                  <a:tcPr/>
-                </a:tc>
-                <a:tc>
-                  <a:txBody>
-                    <a:bodyPr/>
-                    <a:lstStyle/>
-                    <a:p>
-                      <a:pPr latinLnBrk="1"/>
-                      <a:r>
-                        <a:rPr lang="ko-KR" altLang="en-US" sz="1600" dirty="0"/>
-                        <a:t>최종 마무리</a:t>
-                      </a:r>
-                    </a:p>
-                  </a:txBody>
-                  <a:tcPr anchor="ctr"/>
-                </a:tc>
-                <a:tc>
-                  <a:txBody>
-                    <a:bodyPr/>
-                    <a:lstStyle/>
-                    <a:p>
-                      <a:pPr latinLnBrk="1"/>
-                      <a:r>
-                        <a:rPr lang="ko-KR" altLang="en-US" sz="1600" dirty="0"/>
-                        <a:t>마지막으로 점검 후 릴리즈 한다</a:t>
-                      </a:r>
-                      <a:r>
-                        <a:rPr lang="en-US" altLang="ko-KR" sz="1600" dirty="0"/>
-                        <a:t>.</a:t>
-                      </a:r>
-                      <a:endParaRPr lang="ko-KR" altLang="en-US" sz="1600" dirty="0"/>
-                    </a:p>
-                  </a:txBody>
-                  <a:tcPr/>
-                </a:tc>
-                <a:extLst>
-                  <a:ext uri="{0D108BD9-81ED-4DB2-BD59-A6C34878D82A}">
-                    <a16:rowId xmlns:a16="http://schemas.microsoft.com/office/drawing/2014/main" val="1788747524"/>
+                    <a16:rowId xmlns:a16="http://schemas.microsoft.com/office/drawing/2014/main" val="2253083819"/>
                   </a:ext>
                 </a:extLst>
               </a:tr>

--- a/기획발표.pptx
+++ b/기획발표.pptx
@@ -270,7 +270,7 @@
           <a:p>
             <a:fld id="{6AE92317-43F9-4945-8731-D21FDC87FDE9}" type="datetimeFigureOut">
               <a:rPr lang="ko-KR" altLang="en-US" smtClean="0"/>
-              <a:t>2017-10-16</a:t>
+              <a:t>2017-10-17</a:t>
             </a:fld>
             <a:endParaRPr lang="ko-KR" altLang="en-US"/>
           </a:p>
@@ -468,7 +468,7 @@
           <a:p>
             <a:fld id="{6AE92317-43F9-4945-8731-D21FDC87FDE9}" type="datetimeFigureOut">
               <a:rPr lang="ko-KR" altLang="en-US" smtClean="0"/>
-              <a:t>2017-10-16</a:t>
+              <a:t>2017-10-17</a:t>
             </a:fld>
             <a:endParaRPr lang="ko-KR" altLang="en-US"/>
           </a:p>
@@ -676,7 +676,7 @@
           <a:p>
             <a:fld id="{6AE92317-43F9-4945-8731-D21FDC87FDE9}" type="datetimeFigureOut">
               <a:rPr lang="ko-KR" altLang="en-US" smtClean="0"/>
-              <a:t>2017-10-16</a:t>
+              <a:t>2017-10-17</a:t>
             </a:fld>
             <a:endParaRPr lang="ko-KR" altLang="en-US"/>
           </a:p>
@@ -874,7 +874,7 @@
           <a:p>
             <a:fld id="{6AE92317-43F9-4945-8731-D21FDC87FDE9}" type="datetimeFigureOut">
               <a:rPr lang="ko-KR" altLang="en-US" smtClean="0"/>
-              <a:t>2017-10-16</a:t>
+              <a:t>2017-10-17</a:t>
             </a:fld>
             <a:endParaRPr lang="ko-KR" altLang="en-US"/>
           </a:p>
@@ -1149,7 +1149,7 @@
           <a:p>
             <a:fld id="{6AE92317-43F9-4945-8731-D21FDC87FDE9}" type="datetimeFigureOut">
               <a:rPr lang="ko-KR" altLang="en-US" smtClean="0"/>
-              <a:t>2017-10-16</a:t>
+              <a:t>2017-10-17</a:t>
             </a:fld>
             <a:endParaRPr lang="ko-KR" altLang="en-US"/>
           </a:p>
@@ -1414,7 +1414,7 @@
           <a:p>
             <a:fld id="{6AE92317-43F9-4945-8731-D21FDC87FDE9}" type="datetimeFigureOut">
               <a:rPr lang="ko-KR" altLang="en-US" smtClean="0"/>
-              <a:t>2017-10-16</a:t>
+              <a:t>2017-10-17</a:t>
             </a:fld>
             <a:endParaRPr lang="ko-KR" altLang="en-US"/>
           </a:p>
@@ -1826,7 +1826,7 @@
           <a:p>
             <a:fld id="{6AE92317-43F9-4945-8731-D21FDC87FDE9}" type="datetimeFigureOut">
               <a:rPr lang="ko-KR" altLang="en-US" smtClean="0"/>
-              <a:t>2017-10-16</a:t>
+              <a:t>2017-10-17</a:t>
             </a:fld>
             <a:endParaRPr lang="ko-KR" altLang="en-US"/>
           </a:p>
@@ -1967,7 +1967,7 @@
           <a:p>
             <a:fld id="{6AE92317-43F9-4945-8731-D21FDC87FDE9}" type="datetimeFigureOut">
               <a:rPr lang="ko-KR" altLang="en-US" smtClean="0"/>
-              <a:t>2017-10-16</a:t>
+              <a:t>2017-10-17</a:t>
             </a:fld>
             <a:endParaRPr lang="ko-KR" altLang="en-US"/>
           </a:p>
@@ -2080,7 +2080,7 @@
           <a:p>
             <a:fld id="{6AE92317-43F9-4945-8731-D21FDC87FDE9}" type="datetimeFigureOut">
               <a:rPr lang="ko-KR" altLang="en-US" smtClean="0"/>
-              <a:t>2017-10-16</a:t>
+              <a:t>2017-10-17</a:t>
             </a:fld>
             <a:endParaRPr lang="ko-KR" altLang="en-US"/>
           </a:p>
@@ -2391,7 +2391,7 @@
           <a:p>
             <a:fld id="{6AE92317-43F9-4945-8731-D21FDC87FDE9}" type="datetimeFigureOut">
               <a:rPr lang="ko-KR" altLang="en-US" smtClean="0"/>
-              <a:t>2017-10-16</a:t>
+              <a:t>2017-10-17</a:t>
             </a:fld>
             <a:endParaRPr lang="ko-KR" altLang="en-US"/>
           </a:p>
@@ -2679,7 +2679,7 @@
           <a:p>
             <a:fld id="{6AE92317-43F9-4945-8731-D21FDC87FDE9}" type="datetimeFigureOut">
               <a:rPr lang="ko-KR" altLang="en-US" smtClean="0"/>
-              <a:t>2017-10-16</a:t>
+              <a:t>2017-10-17</a:t>
             </a:fld>
             <a:endParaRPr lang="ko-KR" altLang="en-US"/>
           </a:p>
@@ -2920,7 +2920,7 @@
           <a:p>
             <a:fld id="{6AE92317-43F9-4945-8731-D21FDC87FDE9}" type="datetimeFigureOut">
               <a:rPr lang="ko-KR" altLang="en-US" smtClean="0"/>
-              <a:t>2017-10-16</a:t>
+              <a:t>2017-10-17</a:t>
             </a:fld>
             <a:endParaRPr lang="ko-KR" altLang="en-US"/>
           </a:p>
@@ -4298,6 +4298,96 @@
           </a:p>
         </p:txBody>
       </p:sp>
+      <p:sp>
+        <p:nvSpPr>
+          <p:cNvPr id="3" name="직사각형 2">
+            <a:extLst>
+              <a:ext uri="{FF2B5EF4-FFF2-40B4-BE49-F238E27FC236}">
+                <a16:creationId xmlns:a16="http://schemas.microsoft.com/office/drawing/2014/main" id="{630CE43B-336B-4642-AFEB-91596A8ABF04}"/>
+              </a:ext>
+            </a:extLst>
+          </p:cNvPr>
+          <p:cNvSpPr/>
+          <p:nvPr/>
+        </p:nvSpPr>
+        <p:spPr>
+          <a:xfrm>
+            <a:off x="383985" y="2269568"/>
+            <a:ext cx="3378635" cy="2442978"/>
+          </a:xfrm>
+          <a:prstGeom prst="rect">
+            <a:avLst/>
+          </a:prstGeom>
+          <a:ln/>
+        </p:spPr>
+        <p:style>
+          <a:lnRef idx="3">
+            <a:schemeClr val="lt1"/>
+          </a:lnRef>
+          <a:fillRef idx="1">
+            <a:schemeClr val="accent3"/>
+          </a:fillRef>
+          <a:effectRef idx="1">
+            <a:schemeClr val="accent3"/>
+          </a:effectRef>
+          <a:fontRef idx="minor">
+            <a:schemeClr val="lt1"/>
+          </a:fontRef>
+        </p:style>
+        <p:txBody>
+          <a:bodyPr rtlCol="0" anchor="ctr"/>
+          <a:lstStyle/>
+          <a:p>
+            <a:pPr algn="ctr"/>
+            <a:endParaRPr lang="ko-KR" altLang="en-US"/>
+          </a:p>
+        </p:txBody>
+      </p:sp>
+      <p:sp>
+        <p:nvSpPr>
+          <p:cNvPr id="7" name="직사각형 6">
+            <a:extLst>
+              <a:ext uri="{FF2B5EF4-FFF2-40B4-BE49-F238E27FC236}">
+                <a16:creationId xmlns:a16="http://schemas.microsoft.com/office/drawing/2014/main" id="{5B9DC137-1401-4937-B923-DAE6C3037023}"/>
+              </a:ext>
+            </a:extLst>
+          </p:cNvPr>
+          <p:cNvSpPr/>
+          <p:nvPr/>
+        </p:nvSpPr>
+        <p:spPr>
+          <a:xfrm>
+            <a:off x="4281462" y="2258189"/>
+            <a:ext cx="3378635" cy="2442978"/>
+          </a:xfrm>
+          <a:prstGeom prst="rect">
+            <a:avLst/>
+          </a:prstGeom>
+          <a:ln/>
+        </p:spPr>
+        <p:style>
+          <a:lnRef idx="3">
+            <a:schemeClr val="lt1"/>
+          </a:lnRef>
+          <a:fillRef idx="1">
+            <a:schemeClr val="accent3"/>
+          </a:fillRef>
+          <a:effectRef idx="1">
+            <a:schemeClr val="accent3"/>
+          </a:effectRef>
+          <a:fontRef idx="minor">
+            <a:schemeClr val="lt1"/>
+          </a:fontRef>
+        </p:style>
+        <p:txBody>
+          <a:bodyPr rtlCol="0" anchor="ctr"/>
+          <a:lstStyle/>
+          <a:p>
+            <a:pPr algn="ctr"/>
+            <a:endParaRPr lang="ko-KR" altLang="en-US"/>
+          </a:p>
+        </p:txBody>
+      </p:sp>
       <p:pic>
         <p:nvPicPr>
           <p:cNvPr id="4" name="그림 3">
@@ -4326,8 +4416,8 @@
         </p:blipFill>
         <p:spPr>
           <a:xfrm>
-            <a:off x="483151" y="2262187"/>
-            <a:ext cx="1160101" cy="1109662"/>
+            <a:off x="4586542" y="2403833"/>
+            <a:ext cx="554784" cy="530663"/>
           </a:xfrm>
           <a:prstGeom prst="rect">
             <a:avLst/>
@@ -4362,14 +4452,1855 @@
         </p:blipFill>
         <p:spPr>
           <a:xfrm>
-            <a:off x="3849855" y="3800473"/>
-            <a:ext cx="860257" cy="628649"/>
+            <a:off x="6828863" y="4050427"/>
+            <a:ext cx="538776" cy="393721"/>
           </a:xfrm>
           <a:prstGeom prst="rect">
             <a:avLst/>
           </a:prstGeom>
         </p:spPr>
       </p:pic>
+      <p:sp>
+        <p:nvSpPr>
+          <p:cNvPr id="8" name="직사각형 7">
+            <a:extLst>
+              <a:ext uri="{FF2B5EF4-FFF2-40B4-BE49-F238E27FC236}">
+                <a16:creationId xmlns:a16="http://schemas.microsoft.com/office/drawing/2014/main" id="{A636A38A-5211-4695-A91A-A5AE233F1AF0}"/>
+              </a:ext>
+            </a:extLst>
+          </p:cNvPr>
+          <p:cNvSpPr/>
+          <p:nvPr/>
+        </p:nvSpPr>
+        <p:spPr>
+          <a:xfrm>
+            <a:off x="8178939" y="2251651"/>
+            <a:ext cx="3378635" cy="2442978"/>
+          </a:xfrm>
+          <a:prstGeom prst="rect">
+            <a:avLst/>
+          </a:prstGeom>
+          <a:ln/>
+        </p:spPr>
+        <p:style>
+          <a:lnRef idx="3">
+            <a:schemeClr val="lt1"/>
+          </a:lnRef>
+          <a:fillRef idx="1">
+            <a:schemeClr val="accent3"/>
+          </a:fillRef>
+          <a:effectRef idx="1">
+            <a:schemeClr val="accent3"/>
+          </a:effectRef>
+          <a:fontRef idx="minor">
+            <a:schemeClr val="lt1"/>
+          </a:fontRef>
+        </p:style>
+        <p:txBody>
+          <a:bodyPr rtlCol="0" anchor="ctr"/>
+          <a:lstStyle/>
+          <a:p>
+            <a:pPr algn="ctr"/>
+            <a:endParaRPr lang="ko-KR" altLang="en-US"/>
+          </a:p>
+        </p:txBody>
+      </p:sp>
+      <p:pic>
+        <p:nvPicPr>
+          <p:cNvPr id="9" name="그림 8">
+            <a:extLst>
+              <a:ext uri="{FF2B5EF4-FFF2-40B4-BE49-F238E27FC236}">
+                <a16:creationId xmlns:a16="http://schemas.microsoft.com/office/drawing/2014/main" id="{0F3BFFEE-4634-4B15-87FE-D0DC6BBD8B1E}"/>
+              </a:ext>
+            </a:extLst>
+          </p:cNvPr>
+          <p:cNvPicPr>
+            <a:picLocks noChangeAspect="1"/>
+          </p:cNvPicPr>
+          <p:nvPr/>
+        </p:nvPicPr>
+        <p:blipFill>
+          <a:blip r:embed="rId5">
+            <a:extLst>
+              <a:ext uri="{28A0092B-C50C-407E-A947-70E740481C1C}">
+                <a14:useLocalDpi xmlns:a14="http://schemas.microsoft.com/office/drawing/2010/main" val="0"/>
+              </a:ext>
+            </a:extLst>
+          </a:blip>
+          <a:stretch>
+            <a:fillRect/>
+          </a:stretch>
+        </p:blipFill>
+        <p:spPr>
+          <a:xfrm>
+            <a:off x="1835177" y="3091520"/>
+            <a:ext cx="476250" cy="799073"/>
+          </a:xfrm>
+          <a:prstGeom prst="rect">
+            <a:avLst/>
+          </a:prstGeom>
+        </p:spPr>
+      </p:pic>
+      <p:sp>
+        <p:nvSpPr>
+          <p:cNvPr id="10" name="TextBox 9">
+            <a:extLst>
+              <a:ext uri="{FF2B5EF4-FFF2-40B4-BE49-F238E27FC236}">
+                <a16:creationId xmlns:a16="http://schemas.microsoft.com/office/drawing/2014/main" id="{389E27EE-3D77-4C5C-A88A-59B79680460F}"/>
+              </a:ext>
+            </a:extLst>
+          </p:cNvPr>
+          <p:cNvSpPr txBox="1"/>
+          <p:nvPr/>
+        </p:nvSpPr>
+        <p:spPr>
+          <a:xfrm>
+            <a:off x="383985" y="4905186"/>
+            <a:ext cx="2864887" cy="646331"/>
+          </a:xfrm>
+          <a:prstGeom prst="rect">
+            <a:avLst/>
+          </a:prstGeom>
+          <a:noFill/>
+        </p:spPr>
+        <p:txBody>
+          <a:bodyPr wrap="none" rtlCol="0">
+            <a:spAutoFit/>
+          </a:bodyPr>
+          <a:lstStyle/>
+          <a:p>
+            <a:r>
+              <a:rPr lang="en-US" altLang="ko-KR" b="1" dirty="0">
+                <a:solidFill>
+                  <a:schemeClr val="accent4"/>
+                </a:solidFill>
+              </a:rPr>
+              <a:t>1. </a:t>
+            </a:r>
+            <a:r>
+              <a:rPr lang="ko-KR" altLang="en-US" b="1" dirty="0">
+                <a:solidFill>
+                  <a:schemeClr val="accent4"/>
+                </a:solidFill>
+              </a:rPr>
+              <a:t>게이머가 조종하는</a:t>
+            </a:r>
+            <a:endParaRPr lang="en-US" altLang="ko-KR" b="1" dirty="0">
+              <a:solidFill>
+                <a:schemeClr val="accent4"/>
+              </a:solidFill>
+            </a:endParaRPr>
+          </a:p>
+          <a:p>
+            <a:r>
+              <a:rPr lang="en-US" altLang="ko-KR" b="1" dirty="0">
+                <a:solidFill>
+                  <a:schemeClr val="accent4"/>
+                </a:solidFill>
+              </a:rPr>
+              <a:t>1</a:t>
+            </a:r>
+            <a:r>
+              <a:rPr lang="ko-KR" altLang="en-US" b="1" dirty="0">
+                <a:solidFill>
+                  <a:schemeClr val="accent4"/>
+                </a:solidFill>
+              </a:rPr>
+              <a:t>개의 캐릭터로 게임 시작</a:t>
+            </a:r>
+          </a:p>
+        </p:txBody>
+      </p:sp>
+      <p:sp>
+        <p:nvSpPr>
+          <p:cNvPr id="11" name="TextBox 10">
+            <a:extLst>
+              <a:ext uri="{FF2B5EF4-FFF2-40B4-BE49-F238E27FC236}">
+                <a16:creationId xmlns:a16="http://schemas.microsoft.com/office/drawing/2014/main" id="{05B19C36-0A4D-4E83-9328-06B72DADF7FB}"/>
+              </a:ext>
+            </a:extLst>
+          </p:cNvPr>
+          <p:cNvSpPr txBox="1"/>
+          <p:nvPr/>
+        </p:nvSpPr>
+        <p:spPr>
+          <a:xfrm>
+            <a:off x="4183809" y="4893863"/>
+            <a:ext cx="2701381" cy="369332"/>
+          </a:xfrm>
+          <a:prstGeom prst="rect">
+            <a:avLst/>
+          </a:prstGeom>
+          <a:noFill/>
+        </p:spPr>
+        <p:txBody>
+          <a:bodyPr wrap="none" rtlCol="0">
+            <a:spAutoFit/>
+          </a:bodyPr>
+          <a:lstStyle/>
+          <a:p>
+            <a:r>
+              <a:rPr lang="en-US" altLang="ko-KR" b="1" dirty="0">
+                <a:solidFill>
+                  <a:schemeClr val="accent4"/>
+                </a:solidFill>
+              </a:rPr>
+              <a:t>2. </a:t>
+            </a:r>
+            <a:r>
+              <a:rPr lang="ko-KR" altLang="en-US" b="1" dirty="0">
+                <a:solidFill>
+                  <a:schemeClr val="accent4"/>
+                </a:solidFill>
+              </a:rPr>
+              <a:t>사방에서 적군이 출현</a:t>
+            </a:r>
+            <a:endParaRPr lang="en-US" altLang="ko-KR" b="1" dirty="0">
+              <a:solidFill>
+                <a:schemeClr val="accent4"/>
+              </a:solidFill>
+            </a:endParaRPr>
+          </a:p>
+        </p:txBody>
+      </p:sp>
+      <p:pic>
+        <p:nvPicPr>
+          <p:cNvPr id="12" name="그림 11">
+            <a:extLst>
+              <a:ext uri="{FF2B5EF4-FFF2-40B4-BE49-F238E27FC236}">
+                <a16:creationId xmlns:a16="http://schemas.microsoft.com/office/drawing/2014/main" id="{1777545C-82D1-4615-8FD4-1C887BF3A77C}"/>
+              </a:ext>
+            </a:extLst>
+          </p:cNvPr>
+          <p:cNvPicPr>
+            <a:picLocks noChangeAspect="1"/>
+          </p:cNvPicPr>
+          <p:nvPr/>
+        </p:nvPicPr>
+        <p:blipFill>
+          <a:blip r:embed="rId5">
+            <a:extLst>
+              <a:ext uri="{28A0092B-C50C-407E-A947-70E740481C1C}">
+                <a14:useLocalDpi xmlns:a14="http://schemas.microsoft.com/office/drawing/2010/main" val="0"/>
+              </a:ext>
+            </a:extLst>
+          </a:blip>
+          <a:stretch>
+            <a:fillRect/>
+          </a:stretch>
+        </p:blipFill>
+        <p:spPr>
+          <a:xfrm>
+            <a:off x="5732655" y="3080141"/>
+            <a:ext cx="476250" cy="799073"/>
+          </a:xfrm>
+          <a:prstGeom prst="rect">
+            <a:avLst/>
+          </a:prstGeom>
+        </p:spPr>
+      </p:pic>
+      <p:grpSp>
+        <p:nvGrpSpPr>
+          <p:cNvPr id="30" name="그룹 29">
+            <a:extLst>
+              <a:ext uri="{FF2B5EF4-FFF2-40B4-BE49-F238E27FC236}">
+                <a16:creationId xmlns:a16="http://schemas.microsoft.com/office/drawing/2014/main" id="{E9E76260-414A-4B27-BD31-248BBC5A3235}"/>
+              </a:ext>
+            </a:extLst>
+          </p:cNvPr>
+          <p:cNvGrpSpPr/>
+          <p:nvPr/>
+        </p:nvGrpSpPr>
+        <p:grpSpPr>
+          <a:xfrm>
+            <a:off x="4373196" y="2486397"/>
+            <a:ext cx="129013" cy="350664"/>
+            <a:chOff x="4391201" y="2013670"/>
+            <a:chExt cx="129013" cy="350664"/>
+          </a:xfrm>
+        </p:grpSpPr>
+        <p:cxnSp>
+          <p:nvCxnSpPr>
+            <p:cNvPr id="14" name="직선 연결선 13">
+              <a:extLst>
+                <a:ext uri="{FF2B5EF4-FFF2-40B4-BE49-F238E27FC236}">
+                  <a16:creationId xmlns:a16="http://schemas.microsoft.com/office/drawing/2014/main" id="{F8DEA6A6-7668-4B31-842A-B47D5E391FCF}"/>
+                </a:ext>
+              </a:extLst>
+            </p:cNvPr>
+            <p:cNvCxnSpPr/>
+            <p:nvPr/>
+          </p:nvCxnSpPr>
+          <p:spPr>
+            <a:xfrm>
+              <a:off x="4397122" y="2013670"/>
+              <a:ext cx="121612" cy="0"/>
+            </a:xfrm>
+            <a:prstGeom prst="line">
+              <a:avLst/>
+            </a:prstGeom>
+          </p:spPr>
+          <p:style>
+            <a:lnRef idx="1">
+              <a:schemeClr val="accent1"/>
+            </a:lnRef>
+            <a:fillRef idx="0">
+              <a:schemeClr val="accent1"/>
+            </a:fillRef>
+            <a:effectRef idx="0">
+              <a:schemeClr val="accent1"/>
+            </a:effectRef>
+            <a:fontRef idx="minor">
+              <a:schemeClr val="tx1"/>
+            </a:fontRef>
+          </p:style>
+        </p:cxnSp>
+        <p:cxnSp>
+          <p:nvCxnSpPr>
+            <p:cNvPr id="15" name="직선 연결선 14">
+              <a:extLst>
+                <a:ext uri="{FF2B5EF4-FFF2-40B4-BE49-F238E27FC236}">
+                  <a16:creationId xmlns:a16="http://schemas.microsoft.com/office/drawing/2014/main" id="{61114D4C-A01D-4069-B5F7-4E964C843BAD}"/>
+                </a:ext>
+              </a:extLst>
+            </p:cNvPr>
+            <p:cNvCxnSpPr>
+              <a:cxnSpLocks/>
+            </p:cNvCxnSpPr>
+            <p:nvPr/>
+          </p:nvCxnSpPr>
+          <p:spPr>
+            <a:xfrm>
+              <a:off x="4398602" y="2139436"/>
+              <a:ext cx="121612" cy="0"/>
+            </a:xfrm>
+            <a:prstGeom prst="line">
+              <a:avLst/>
+            </a:prstGeom>
+          </p:spPr>
+          <p:style>
+            <a:lnRef idx="1">
+              <a:schemeClr val="accent1"/>
+            </a:lnRef>
+            <a:fillRef idx="0">
+              <a:schemeClr val="accent1"/>
+            </a:fillRef>
+            <a:effectRef idx="0">
+              <a:schemeClr val="accent1"/>
+            </a:effectRef>
+            <a:fontRef idx="minor">
+              <a:schemeClr val="tx1"/>
+            </a:fontRef>
+          </p:style>
+        </p:cxnSp>
+        <p:cxnSp>
+          <p:nvCxnSpPr>
+            <p:cNvPr id="17" name="직선 연결선 16">
+              <a:extLst>
+                <a:ext uri="{FF2B5EF4-FFF2-40B4-BE49-F238E27FC236}">
+                  <a16:creationId xmlns:a16="http://schemas.microsoft.com/office/drawing/2014/main" id="{3FA91C5F-6B9B-45FE-93F4-B77DA6B0742E}"/>
+                </a:ext>
+              </a:extLst>
+            </p:cNvPr>
+            <p:cNvCxnSpPr>
+              <a:cxnSpLocks/>
+            </p:cNvCxnSpPr>
+            <p:nvPr/>
+          </p:nvCxnSpPr>
+          <p:spPr>
+            <a:xfrm>
+              <a:off x="4391201" y="2256324"/>
+              <a:ext cx="121612" cy="0"/>
+            </a:xfrm>
+            <a:prstGeom prst="line">
+              <a:avLst/>
+            </a:prstGeom>
+          </p:spPr>
+          <p:style>
+            <a:lnRef idx="1">
+              <a:schemeClr val="accent1"/>
+            </a:lnRef>
+            <a:fillRef idx="0">
+              <a:schemeClr val="accent1"/>
+            </a:fillRef>
+            <a:effectRef idx="0">
+              <a:schemeClr val="accent1"/>
+            </a:effectRef>
+            <a:fontRef idx="minor">
+              <a:schemeClr val="tx1"/>
+            </a:fontRef>
+          </p:style>
+        </p:cxnSp>
+        <p:cxnSp>
+          <p:nvCxnSpPr>
+            <p:cNvPr id="18" name="직선 연결선 17">
+              <a:extLst>
+                <a:ext uri="{FF2B5EF4-FFF2-40B4-BE49-F238E27FC236}">
+                  <a16:creationId xmlns:a16="http://schemas.microsoft.com/office/drawing/2014/main" id="{B8CB0E8A-B38F-4B67-A159-AA7B37D44F6F}"/>
+                </a:ext>
+              </a:extLst>
+            </p:cNvPr>
+            <p:cNvCxnSpPr>
+              <a:cxnSpLocks/>
+            </p:cNvCxnSpPr>
+            <p:nvPr/>
+          </p:nvCxnSpPr>
+          <p:spPr>
+            <a:xfrm>
+              <a:off x="4392679" y="2364334"/>
+              <a:ext cx="121612" cy="0"/>
+            </a:xfrm>
+            <a:prstGeom prst="line">
+              <a:avLst/>
+            </a:prstGeom>
+          </p:spPr>
+          <p:style>
+            <a:lnRef idx="1">
+              <a:schemeClr val="accent1"/>
+            </a:lnRef>
+            <a:fillRef idx="0">
+              <a:schemeClr val="accent1"/>
+            </a:fillRef>
+            <a:effectRef idx="0">
+              <a:schemeClr val="accent1"/>
+            </a:effectRef>
+            <a:fontRef idx="minor">
+              <a:schemeClr val="tx1"/>
+            </a:fontRef>
+          </p:style>
+        </p:cxnSp>
+      </p:grpSp>
+      <p:cxnSp>
+        <p:nvCxnSpPr>
+          <p:cNvPr id="19" name="직선 연결선 18">
+            <a:extLst>
+              <a:ext uri="{FF2B5EF4-FFF2-40B4-BE49-F238E27FC236}">
+                <a16:creationId xmlns:a16="http://schemas.microsoft.com/office/drawing/2014/main" id="{564F2963-2E8A-4F2A-AECD-B60C77008770}"/>
+              </a:ext>
+            </a:extLst>
+          </p:cNvPr>
+          <p:cNvCxnSpPr>
+            <a:cxnSpLocks/>
+          </p:cNvCxnSpPr>
+          <p:nvPr/>
+        </p:nvCxnSpPr>
+        <p:spPr>
+          <a:xfrm>
+            <a:off x="7367639" y="4165756"/>
+            <a:ext cx="107109" cy="81531"/>
+          </a:xfrm>
+          <a:prstGeom prst="line">
+            <a:avLst/>
+          </a:prstGeom>
+        </p:spPr>
+        <p:style>
+          <a:lnRef idx="1">
+            <a:schemeClr val="accent1"/>
+          </a:lnRef>
+          <a:fillRef idx="0">
+            <a:schemeClr val="accent1"/>
+          </a:fillRef>
+          <a:effectRef idx="0">
+            <a:schemeClr val="accent1"/>
+          </a:effectRef>
+          <a:fontRef idx="minor">
+            <a:schemeClr val="tx1"/>
+          </a:fontRef>
+        </p:style>
+      </p:cxnSp>
+      <p:cxnSp>
+        <p:nvCxnSpPr>
+          <p:cNvPr id="24" name="직선 연결선 23">
+            <a:extLst>
+              <a:ext uri="{FF2B5EF4-FFF2-40B4-BE49-F238E27FC236}">
+                <a16:creationId xmlns:a16="http://schemas.microsoft.com/office/drawing/2014/main" id="{D605CDD5-DE1B-49A2-BB40-7780212F1B3D}"/>
+              </a:ext>
+            </a:extLst>
+          </p:cNvPr>
+          <p:cNvCxnSpPr>
+            <a:cxnSpLocks/>
+          </p:cNvCxnSpPr>
+          <p:nvPr/>
+        </p:nvCxnSpPr>
+        <p:spPr>
+          <a:xfrm>
+            <a:off x="7395750" y="4327034"/>
+            <a:ext cx="107109" cy="81531"/>
+          </a:xfrm>
+          <a:prstGeom prst="line">
+            <a:avLst/>
+          </a:prstGeom>
+        </p:spPr>
+        <p:style>
+          <a:lnRef idx="1">
+            <a:schemeClr val="accent1"/>
+          </a:lnRef>
+          <a:fillRef idx="0">
+            <a:schemeClr val="accent1"/>
+          </a:fillRef>
+          <a:effectRef idx="0">
+            <a:schemeClr val="accent1"/>
+          </a:effectRef>
+          <a:fontRef idx="minor">
+            <a:schemeClr val="tx1"/>
+          </a:fontRef>
+        </p:style>
+      </p:cxnSp>
+      <p:cxnSp>
+        <p:nvCxnSpPr>
+          <p:cNvPr id="25" name="직선 연결선 24">
+            <a:extLst>
+              <a:ext uri="{FF2B5EF4-FFF2-40B4-BE49-F238E27FC236}">
+                <a16:creationId xmlns:a16="http://schemas.microsoft.com/office/drawing/2014/main" id="{D88F841E-9D10-4A8F-8683-0DD628C845CD}"/>
+              </a:ext>
+            </a:extLst>
+          </p:cNvPr>
+          <p:cNvCxnSpPr>
+            <a:cxnSpLocks/>
+          </p:cNvCxnSpPr>
+          <p:nvPr/>
+        </p:nvCxnSpPr>
+        <p:spPr>
+          <a:xfrm>
+            <a:off x="7388350" y="4479434"/>
+            <a:ext cx="107109" cy="81531"/>
+          </a:xfrm>
+          <a:prstGeom prst="line">
+            <a:avLst/>
+          </a:prstGeom>
+        </p:spPr>
+        <p:style>
+          <a:lnRef idx="1">
+            <a:schemeClr val="accent1"/>
+          </a:lnRef>
+          <a:fillRef idx="0">
+            <a:schemeClr val="accent1"/>
+          </a:fillRef>
+          <a:effectRef idx="0">
+            <a:schemeClr val="accent1"/>
+          </a:effectRef>
+          <a:fontRef idx="minor">
+            <a:schemeClr val="tx1"/>
+          </a:fontRef>
+        </p:style>
+      </p:cxnSp>
+      <p:pic>
+        <p:nvPicPr>
+          <p:cNvPr id="27" name="그림 26">
+            <a:extLst>
+              <a:ext uri="{FF2B5EF4-FFF2-40B4-BE49-F238E27FC236}">
+                <a16:creationId xmlns:a16="http://schemas.microsoft.com/office/drawing/2014/main" id="{B7FA955A-3689-46D5-9F79-E9644BA697F1}"/>
+              </a:ext>
+            </a:extLst>
+          </p:cNvPr>
+          <p:cNvPicPr>
+            <a:picLocks noChangeAspect="1"/>
+          </p:cNvPicPr>
+          <p:nvPr/>
+        </p:nvPicPr>
+        <p:blipFill>
+          <a:blip r:embed="rId6">
+            <a:extLst>
+              <a:ext uri="{28A0092B-C50C-407E-A947-70E740481C1C}">
+                <a14:useLocalDpi xmlns:a14="http://schemas.microsoft.com/office/drawing/2010/main" val="0"/>
+              </a:ext>
+            </a:extLst>
+          </a:blip>
+          <a:stretch>
+            <a:fillRect/>
+          </a:stretch>
+        </p:blipFill>
+        <p:spPr>
+          <a:xfrm>
+            <a:off x="6872339" y="2259738"/>
+            <a:ext cx="990600" cy="704850"/>
+          </a:xfrm>
+          <a:prstGeom prst="rect">
+            <a:avLst/>
+          </a:prstGeom>
+        </p:spPr>
+      </p:pic>
+      <p:pic>
+        <p:nvPicPr>
+          <p:cNvPr id="29" name="그림 28">
+            <a:extLst>
+              <a:ext uri="{FF2B5EF4-FFF2-40B4-BE49-F238E27FC236}">
+                <a16:creationId xmlns:a16="http://schemas.microsoft.com/office/drawing/2014/main" id="{11F12C2C-DE72-40DE-90A3-1D65D26B85FF}"/>
+              </a:ext>
+            </a:extLst>
+          </p:cNvPr>
+          <p:cNvPicPr>
+            <a:picLocks noChangeAspect="1"/>
+          </p:cNvPicPr>
+          <p:nvPr/>
+        </p:nvPicPr>
+        <p:blipFill>
+          <a:blip r:embed="rId7">
+            <a:extLst>
+              <a:ext uri="{28A0092B-C50C-407E-A947-70E740481C1C}">
+                <a14:useLocalDpi xmlns:a14="http://schemas.microsoft.com/office/drawing/2010/main" val="0"/>
+              </a:ext>
+            </a:extLst>
+          </a:blip>
+          <a:stretch>
+            <a:fillRect/>
+          </a:stretch>
+        </p:blipFill>
+        <p:spPr>
+          <a:xfrm>
+            <a:off x="4385109" y="3795314"/>
+            <a:ext cx="756217" cy="785025"/>
+          </a:xfrm>
+          <a:prstGeom prst="rect">
+            <a:avLst/>
+          </a:prstGeom>
+        </p:spPr>
+      </p:pic>
+      <p:grpSp>
+        <p:nvGrpSpPr>
+          <p:cNvPr id="31" name="그룹 30">
+            <a:extLst>
+              <a:ext uri="{FF2B5EF4-FFF2-40B4-BE49-F238E27FC236}">
+                <a16:creationId xmlns:a16="http://schemas.microsoft.com/office/drawing/2014/main" id="{74DB61C0-05E3-4970-B7B4-3C7F1FFD779D}"/>
+              </a:ext>
+            </a:extLst>
+          </p:cNvPr>
+          <p:cNvGrpSpPr/>
+          <p:nvPr/>
+        </p:nvGrpSpPr>
+        <p:grpSpPr>
+          <a:xfrm>
+            <a:off x="4373196" y="3909290"/>
+            <a:ext cx="129013" cy="350664"/>
+            <a:chOff x="4391201" y="2013670"/>
+            <a:chExt cx="129013" cy="350664"/>
+          </a:xfrm>
+        </p:grpSpPr>
+        <p:cxnSp>
+          <p:nvCxnSpPr>
+            <p:cNvPr id="32" name="직선 연결선 31">
+              <a:extLst>
+                <a:ext uri="{FF2B5EF4-FFF2-40B4-BE49-F238E27FC236}">
+                  <a16:creationId xmlns:a16="http://schemas.microsoft.com/office/drawing/2014/main" id="{AEFAFD62-C887-4DE7-9446-8C058BDE13D7}"/>
+                </a:ext>
+              </a:extLst>
+            </p:cNvPr>
+            <p:cNvCxnSpPr/>
+            <p:nvPr/>
+          </p:nvCxnSpPr>
+          <p:spPr>
+            <a:xfrm>
+              <a:off x="4397122" y="2013670"/>
+              <a:ext cx="121612" cy="0"/>
+            </a:xfrm>
+            <a:prstGeom prst="line">
+              <a:avLst/>
+            </a:prstGeom>
+          </p:spPr>
+          <p:style>
+            <a:lnRef idx="1">
+              <a:schemeClr val="accent1"/>
+            </a:lnRef>
+            <a:fillRef idx="0">
+              <a:schemeClr val="accent1"/>
+            </a:fillRef>
+            <a:effectRef idx="0">
+              <a:schemeClr val="accent1"/>
+            </a:effectRef>
+            <a:fontRef idx="minor">
+              <a:schemeClr val="tx1"/>
+            </a:fontRef>
+          </p:style>
+        </p:cxnSp>
+        <p:cxnSp>
+          <p:nvCxnSpPr>
+            <p:cNvPr id="33" name="직선 연결선 32">
+              <a:extLst>
+                <a:ext uri="{FF2B5EF4-FFF2-40B4-BE49-F238E27FC236}">
+                  <a16:creationId xmlns:a16="http://schemas.microsoft.com/office/drawing/2014/main" id="{062436AA-8C63-4728-9CE5-7516500B7374}"/>
+                </a:ext>
+              </a:extLst>
+            </p:cNvPr>
+            <p:cNvCxnSpPr>
+              <a:cxnSpLocks/>
+            </p:cNvCxnSpPr>
+            <p:nvPr/>
+          </p:nvCxnSpPr>
+          <p:spPr>
+            <a:xfrm>
+              <a:off x="4398602" y="2139436"/>
+              <a:ext cx="121612" cy="0"/>
+            </a:xfrm>
+            <a:prstGeom prst="line">
+              <a:avLst/>
+            </a:prstGeom>
+          </p:spPr>
+          <p:style>
+            <a:lnRef idx="1">
+              <a:schemeClr val="accent1"/>
+            </a:lnRef>
+            <a:fillRef idx="0">
+              <a:schemeClr val="accent1"/>
+            </a:fillRef>
+            <a:effectRef idx="0">
+              <a:schemeClr val="accent1"/>
+            </a:effectRef>
+            <a:fontRef idx="minor">
+              <a:schemeClr val="tx1"/>
+            </a:fontRef>
+          </p:style>
+        </p:cxnSp>
+        <p:cxnSp>
+          <p:nvCxnSpPr>
+            <p:cNvPr id="34" name="직선 연결선 33">
+              <a:extLst>
+                <a:ext uri="{FF2B5EF4-FFF2-40B4-BE49-F238E27FC236}">
+                  <a16:creationId xmlns:a16="http://schemas.microsoft.com/office/drawing/2014/main" id="{81A963FD-63BF-4B97-BCF2-99F36E77386B}"/>
+                </a:ext>
+              </a:extLst>
+            </p:cNvPr>
+            <p:cNvCxnSpPr>
+              <a:cxnSpLocks/>
+            </p:cNvCxnSpPr>
+            <p:nvPr/>
+          </p:nvCxnSpPr>
+          <p:spPr>
+            <a:xfrm>
+              <a:off x="4391201" y="2256324"/>
+              <a:ext cx="121612" cy="0"/>
+            </a:xfrm>
+            <a:prstGeom prst="line">
+              <a:avLst/>
+            </a:prstGeom>
+          </p:spPr>
+          <p:style>
+            <a:lnRef idx="1">
+              <a:schemeClr val="accent1"/>
+            </a:lnRef>
+            <a:fillRef idx="0">
+              <a:schemeClr val="accent1"/>
+            </a:fillRef>
+            <a:effectRef idx="0">
+              <a:schemeClr val="accent1"/>
+            </a:effectRef>
+            <a:fontRef idx="minor">
+              <a:schemeClr val="tx1"/>
+            </a:fontRef>
+          </p:style>
+        </p:cxnSp>
+        <p:cxnSp>
+          <p:nvCxnSpPr>
+            <p:cNvPr id="35" name="직선 연결선 34">
+              <a:extLst>
+                <a:ext uri="{FF2B5EF4-FFF2-40B4-BE49-F238E27FC236}">
+                  <a16:creationId xmlns:a16="http://schemas.microsoft.com/office/drawing/2014/main" id="{3942E7B8-1CE0-4FC9-BC24-AFA850DE01E3}"/>
+                </a:ext>
+              </a:extLst>
+            </p:cNvPr>
+            <p:cNvCxnSpPr>
+              <a:cxnSpLocks/>
+            </p:cNvCxnSpPr>
+            <p:nvPr/>
+          </p:nvCxnSpPr>
+          <p:spPr>
+            <a:xfrm>
+              <a:off x="4392679" y="2364334"/>
+              <a:ext cx="121612" cy="0"/>
+            </a:xfrm>
+            <a:prstGeom prst="line">
+              <a:avLst/>
+            </a:prstGeom>
+          </p:spPr>
+          <p:style>
+            <a:lnRef idx="1">
+              <a:schemeClr val="accent1"/>
+            </a:lnRef>
+            <a:fillRef idx="0">
+              <a:schemeClr val="accent1"/>
+            </a:fillRef>
+            <a:effectRef idx="0">
+              <a:schemeClr val="accent1"/>
+            </a:effectRef>
+            <a:fontRef idx="minor">
+              <a:schemeClr val="tx1"/>
+            </a:fontRef>
+          </p:style>
+        </p:cxnSp>
+      </p:grpSp>
+      <p:sp>
+        <p:nvSpPr>
+          <p:cNvPr id="36" name="TextBox 35">
+            <a:extLst>
+              <a:ext uri="{FF2B5EF4-FFF2-40B4-BE49-F238E27FC236}">
+                <a16:creationId xmlns:a16="http://schemas.microsoft.com/office/drawing/2014/main" id="{6894D6CD-54B9-4033-82F3-F052611A5FD0}"/>
+              </a:ext>
+            </a:extLst>
+          </p:cNvPr>
+          <p:cNvSpPr txBox="1"/>
+          <p:nvPr/>
+        </p:nvSpPr>
+        <p:spPr>
+          <a:xfrm>
+            <a:off x="8178939" y="4887325"/>
+            <a:ext cx="3475631" cy="369332"/>
+          </a:xfrm>
+          <a:prstGeom prst="rect">
+            <a:avLst/>
+          </a:prstGeom>
+          <a:noFill/>
+        </p:spPr>
+        <p:txBody>
+          <a:bodyPr wrap="none" rtlCol="0">
+            <a:spAutoFit/>
+          </a:bodyPr>
+          <a:lstStyle/>
+          <a:p>
+            <a:r>
+              <a:rPr lang="en-US" altLang="ko-KR" b="1" dirty="0">
+                <a:solidFill>
+                  <a:schemeClr val="accent4"/>
+                </a:solidFill>
+              </a:rPr>
+              <a:t>3. </a:t>
+            </a:r>
+            <a:r>
+              <a:rPr lang="ko-KR" altLang="en-US" b="1" dirty="0">
+                <a:solidFill>
+                  <a:schemeClr val="accent4"/>
+                </a:solidFill>
+              </a:rPr>
+              <a:t>적군을 피하고 공격하며 생존</a:t>
+            </a:r>
+            <a:endParaRPr lang="en-US" altLang="ko-KR" b="1" dirty="0">
+              <a:solidFill>
+                <a:schemeClr val="accent4"/>
+              </a:solidFill>
+            </a:endParaRPr>
+          </a:p>
+        </p:txBody>
+      </p:sp>
+      <p:pic>
+        <p:nvPicPr>
+          <p:cNvPr id="37" name="그림 36">
+            <a:extLst>
+              <a:ext uri="{FF2B5EF4-FFF2-40B4-BE49-F238E27FC236}">
+                <a16:creationId xmlns:a16="http://schemas.microsoft.com/office/drawing/2014/main" id="{3718DEB5-C3E7-40AE-BE49-2131B6ADEE7E}"/>
+              </a:ext>
+            </a:extLst>
+          </p:cNvPr>
+          <p:cNvPicPr>
+            <a:picLocks noChangeAspect="1"/>
+          </p:cNvPicPr>
+          <p:nvPr/>
+        </p:nvPicPr>
+        <p:blipFill>
+          <a:blip r:embed="rId6">
+            <a:extLst>
+              <a:ext uri="{28A0092B-C50C-407E-A947-70E740481C1C}">
+                <a14:useLocalDpi xmlns:a14="http://schemas.microsoft.com/office/drawing/2010/main" val="0"/>
+              </a:ext>
+            </a:extLst>
+          </a:blip>
+          <a:stretch>
+            <a:fillRect/>
+          </a:stretch>
+        </p:blipFill>
+        <p:spPr>
+          <a:xfrm>
+            <a:off x="10289781" y="2848007"/>
+            <a:ext cx="990600" cy="704850"/>
+          </a:xfrm>
+          <a:prstGeom prst="rect">
+            <a:avLst/>
+          </a:prstGeom>
+        </p:spPr>
+      </p:pic>
+      <p:pic>
+        <p:nvPicPr>
+          <p:cNvPr id="38" name="그림 37">
+            <a:extLst>
+              <a:ext uri="{FF2B5EF4-FFF2-40B4-BE49-F238E27FC236}">
+                <a16:creationId xmlns:a16="http://schemas.microsoft.com/office/drawing/2014/main" id="{8A5ABEE4-D3F4-4366-B222-419B891F07AE}"/>
+              </a:ext>
+            </a:extLst>
+          </p:cNvPr>
+          <p:cNvPicPr>
+            <a:picLocks noChangeAspect="1"/>
+          </p:cNvPicPr>
+          <p:nvPr/>
+        </p:nvPicPr>
+        <p:blipFill>
+          <a:blip r:embed="rId4">
+            <a:extLst>
+              <a:ext uri="{28A0092B-C50C-407E-A947-70E740481C1C}">
+                <a14:useLocalDpi xmlns:a14="http://schemas.microsoft.com/office/drawing/2010/main" val="0"/>
+              </a:ext>
+            </a:extLst>
+          </a:blip>
+          <a:stretch>
+            <a:fillRect/>
+          </a:stretch>
+        </p:blipFill>
+        <p:spPr>
+          <a:xfrm>
+            <a:off x="10467524" y="3984427"/>
+            <a:ext cx="538776" cy="393721"/>
+          </a:xfrm>
+          <a:prstGeom prst="rect">
+            <a:avLst/>
+          </a:prstGeom>
+        </p:spPr>
+      </p:pic>
+      <p:pic>
+        <p:nvPicPr>
+          <p:cNvPr id="39" name="그림 38">
+            <a:extLst>
+              <a:ext uri="{FF2B5EF4-FFF2-40B4-BE49-F238E27FC236}">
+                <a16:creationId xmlns:a16="http://schemas.microsoft.com/office/drawing/2014/main" id="{23AD6B73-148C-4785-B1CF-F5BE15757F16}"/>
+              </a:ext>
+            </a:extLst>
+          </p:cNvPr>
+          <p:cNvPicPr>
+            <a:picLocks noChangeAspect="1"/>
+          </p:cNvPicPr>
+          <p:nvPr/>
+        </p:nvPicPr>
+        <p:blipFill>
+          <a:blip r:embed="rId5">
+            <a:extLst>
+              <a:ext uri="{28A0092B-C50C-407E-A947-70E740481C1C}">
+                <a14:useLocalDpi xmlns:a14="http://schemas.microsoft.com/office/drawing/2010/main" val="0"/>
+              </a:ext>
+            </a:extLst>
+          </a:blip>
+          <a:stretch>
+            <a:fillRect/>
+          </a:stretch>
+        </p:blipFill>
+        <p:spPr>
+          <a:xfrm>
+            <a:off x="9417264" y="2397295"/>
+            <a:ext cx="476250" cy="799073"/>
+          </a:xfrm>
+          <a:prstGeom prst="rect">
+            <a:avLst/>
+          </a:prstGeom>
+        </p:spPr>
+      </p:pic>
+      <p:pic>
+        <p:nvPicPr>
+          <p:cNvPr id="40" name="그림 39">
+            <a:extLst>
+              <a:ext uri="{FF2B5EF4-FFF2-40B4-BE49-F238E27FC236}">
+                <a16:creationId xmlns:a16="http://schemas.microsoft.com/office/drawing/2014/main" id="{412EABCE-D6B5-402F-AB85-0349AAB8BB3F}"/>
+              </a:ext>
+            </a:extLst>
+          </p:cNvPr>
+          <p:cNvPicPr>
+            <a:picLocks noChangeAspect="1"/>
+          </p:cNvPicPr>
+          <p:nvPr/>
+        </p:nvPicPr>
+        <p:blipFill>
+          <a:blip r:embed="rId3">
+            <a:extLst>
+              <a:ext uri="{28A0092B-C50C-407E-A947-70E740481C1C}">
+                <a14:useLocalDpi xmlns:a14="http://schemas.microsoft.com/office/drawing/2010/main" val="0"/>
+              </a:ext>
+            </a:extLst>
+          </a:blip>
+          <a:stretch>
+            <a:fillRect/>
+          </a:stretch>
+        </p:blipFill>
+        <p:spPr>
+          <a:xfrm>
+            <a:off x="8806238" y="2948589"/>
+            <a:ext cx="554784" cy="530663"/>
+          </a:xfrm>
+          <a:prstGeom prst="rect">
+            <a:avLst/>
+          </a:prstGeom>
+        </p:spPr>
+      </p:pic>
+      <p:pic>
+        <p:nvPicPr>
+          <p:cNvPr id="41" name="그림 40">
+            <a:extLst>
+              <a:ext uri="{FF2B5EF4-FFF2-40B4-BE49-F238E27FC236}">
+                <a16:creationId xmlns:a16="http://schemas.microsoft.com/office/drawing/2014/main" id="{681483D2-87CC-4534-9AB0-BBDAE87BBC89}"/>
+              </a:ext>
+            </a:extLst>
+          </p:cNvPr>
+          <p:cNvPicPr>
+            <a:picLocks noChangeAspect="1"/>
+          </p:cNvPicPr>
+          <p:nvPr/>
+        </p:nvPicPr>
+        <p:blipFill>
+          <a:blip r:embed="rId7">
+            <a:extLst>
+              <a:ext uri="{28A0092B-C50C-407E-A947-70E740481C1C}">
+                <a14:useLocalDpi xmlns:a14="http://schemas.microsoft.com/office/drawing/2010/main" val="0"/>
+              </a:ext>
+            </a:extLst>
+          </a:blip>
+          <a:stretch>
+            <a:fillRect/>
+          </a:stretch>
+        </p:blipFill>
+        <p:spPr>
+          <a:xfrm>
+            <a:off x="8656966" y="3769402"/>
+            <a:ext cx="756217" cy="785025"/>
+          </a:xfrm>
+          <a:prstGeom prst="rect">
+            <a:avLst/>
+          </a:prstGeom>
+        </p:spPr>
+      </p:pic>
+      <p:grpSp>
+        <p:nvGrpSpPr>
+          <p:cNvPr id="42" name="그룹 41">
+            <a:extLst>
+              <a:ext uri="{FF2B5EF4-FFF2-40B4-BE49-F238E27FC236}">
+                <a16:creationId xmlns:a16="http://schemas.microsoft.com/office/drawing/2014/main" id="{E9A1D27D-EA97-4AA5-BC87-B3D0884720F0}"/>
+              </a:ext>
+            </a:extLst>
+          </p:cNvPr>
+          <p:cNvGrpSpPr/>
+          <p:nvPr/>
+        </p:nvGrpSpPr>
+        <p:grpSpPr>
+          <a:xfrm rot="4436696">
+            <a:off x="9737540" y="3076845"/>
+            <a:ext cx="129013" cy="350664"/>
+            <a:chOff x="4391201" y="2013670"/>
+            <a:chExt cx="129013" cy="350664"/>
+          </a:xfrm>
+        </p:grpSpPr>
+        <p:cxnSp>
+          <p:nvCxnSpPr>
+            <p:cNvPr id="43" name="직선 연결선 42">
+              <a:extLst>
+                <a:ext uri="{FF2B5EF4-FFF2-40B4-BE49-F238E27FC236}">
+                  <a16:creationId xmlns:a16="http://schemas.microsoft.com/office/drawing/2014/main" id="{EBAAA6B3-AC7B-4861-B8EA-F51C55183B80}"/>
+                </a:ext>
+              </a:extLst>
+            </p:cNvPr>
+            <p:cNvCxnSpPr/>
+            <p:nvPr/>
+          </p:nvCxnSpPr>
+          <p:spPr>
+            <a:xfrm>
+              <a:off x="4397122" y="2013670"/>
+              <a:ext cx="121612" cy="0"/>
+            </a:xfrm>
+            <a:prstGeom prst="line">
+              <a:avLst/>
+            </a:prstGeom>
+          </p:spPr>
+          <p:style>
+            <a:lnRef idx="1">
+              <a:schemeClr val="accent1"/>
+            </a:lnRef>
+            <a:fillRef idx="0">
+              <a:schemeClr val="accent1"/>
+            </a:fillRef>
+            <a:effectRef idx="0">
+              <a:schemeClr val="accent1"/>
+            </a:effectRef>
+            <a:fontRef idx="minor">
+              <a:schemeClr val="tx1"/>
+            </a:fontRef>
+          </p:style>
+        </p:cxnSp>
+        <p:cxnSp>
+          <p:nvCxnSpPr>
+            <p:cNvPr id="44" name="직선 연결선 43">
+              <a:extLst>
+                <a:ext uri="{FF2B5EF4-FFF2-40B4-BE49-F238E27FC236}">
+                  <a16:creationId xmlns:a16="http://schemas.microsoft.com/office/drawing/2014/main" id="{A3136195-174E-4BA7-9498-D570D91E4CFC}"/>
+                </a:ext>
+              </a:extLst>
+            </p:cNvPr>
+            <p:cNvCxnSpPr>
+              <a:cxnSpLocks/>
+            </p:cNvCxnSpPr>
+            <p:nvPr/>
+          </p:nvCxnSpPr>
+          <p:spPr>
+            <a:xfrm>
+              <a:off x="4398602" y="2139436"/>
+              <a:ext cx="121612" cy="0"/>
+            </a:xfrm>
+            <a:prstGeom prst="line">
+              <a:avLst/>
+            </a:prstGeom>
+          </p:spPr>
+          <p:style>
+            <a:lnRef idx="1">
+              <a:schemeClr val="accent1"/>
+            </a:lnRef>
+            <a:fillRef idx="0">
+              <a:schemeClr val="accent1"/>
+            </a:fillRef>
+            <a:effectRef idx="0">
+              <a:schemeClr val="accent1"/>
+            </a:effectRef>
+            <a:fontRef idx="minor">
+              <a:schemeClr val="tx1"/>
+            </a:fontRef>
+          </p:style>
+        </p:cxnSp>
+        <p:cxnSp>
+          <p:nvCxnSpPr>
+            <p:cNvPr id="45" name="직선 연결선 44">
+              <a:extLst>
+                <a:ext uri="{FF2B5EF4-FFF2-40B4-BE49-F238E27FC236}">
+                  <a16:creationId xmlns:a16="http://schemas.microsoft.com/office/drawing/2014/main" id="{61FECE26-4733-4150-9AF3-19506CA87EAC}"/>
+                </a:ext>
+              </a:extLst>
+            </p:cNvPr>
+            <p:cNvCxnSpPr>
+              <a:cxnSpLocks/>
+            </p:cNvCxnSpPr>
+            <p:nvPr/>
+          </p:nvCxnSpPr>
+          <p:spPr>
+            <a:xfrm>
+              <a:off x="4391201" y="2256324"/>
+              <a:ext cx="121612" cy="0"/>
+            </a:xfrm>
+            <a:prstGeom prst="line">
+              <a:avLst/>
+            </a:prstGeom>
+          </p:spPr>
+          <p:style>
+            <a:lnRef idx="1">
+              <a:schemeClr val="accent1"/>
+            </a:lnRef>
+            <a:fillRef idx="0">
+              <a:schemeClr val="accent1"/>
+            </a:fillRef>
+            <a:effectRef idx="0">
+              <a:schemeClr val="accent1"/>
+            </a:effectRef>
+            <a:fontRef idx="minor">
+              <a:schemeClr val="tx1"/>
+            </a:fontRef>
+          </p:style>
+        </p:cxnSp>
+        <p:cxnSp>
+          <p:nvCxnSpPr>
+            <p:cNvPr id="46" name="직선 연결선 45">
+              <a:extLst>
+                <a:ext uri="{FF2B5EF4-FFF2-40B4-BE49-F238E27FC236}">
+                  <a16:creationId xmlns:a16="http://schemas.microsoft.com/office/drawing/2014/main" id="{09185739-3BA0-497D-B7DC-B251728E31CA}"/>
+                </a:ext>
+              </a:extLst>
+            </p:cNvPr>
+            <p:cNvCxnSpPr>
+              <a:cxnSpLocks/>
+            </p:cNvCxnSpPr>
+            <p:nvPr/>
+          </p:nvCxnSpPr>
+          <p:spPr>
+            <a:xfrm>
+              <a:off x="4392679" y="2364334"/>
+              <a:ext cx="121612" cy="0"/>
+            </a:xfrm>
+            <a:prstGeom prst="line">
+              <a:avLst/>
+            </a:prstGeom>
+          </p:spPr>
+          <p:style>
+            <a:lnRef idx="1">
+              <a:schemeClr val="accent1"/>
+            </a:lnRef>
+            <a:fillRef idx="0">
+              <a:schemeClr val="accent1"/>
+            </a:fillRef>
+            <a:effectRef idx="0">
+              <a:schemeClr val="accent1"/>
+            </a:effectRef>
+            <a:fontRef idx="minor">
+              <a:schemeClr val="tx1"/>
+            </a:fontRef>
+          </p:style>
+        </p:cxnSp>
+      </p:grpSp>
+      <p:grpSp>
+        <p:nvGrpSpPr>
+          <p:cNvPr id="47" name="그룹 46">
+            <a:extLst>
+              <a:ext uri="{FF2B5EF4-FFF2-40B4-BE49-F238E27FC236}">
+                <a16:creationId xmlns:a16="http://schemas.microsoft.com/office/drawing/2014/main" id="{38D146D0-4EB3-479C-AEA1-4FB909581945}"/>
+              </a:ext>
+            </a:extLst>
+          </p:cNvPr>
+          <p:cNvGrpSpPr/>
+          <p:nvPr/>
+        </p:nvGrpSpPr>
+        <p:grpSpPr>
+          <a:xfrm rot="1571385">
+            <a:off x="8617272" y="2829027"/>
+            <a:ext cx="129013" cy="350664"/>
+            <a:chOff x="4391201" y="2013670"/>
+            <a:chExt cx="129013" cy="350664"/>
+          </a:xfrm>
+        </p:grpSpPr>
+        <p:cxnSp>
+          <p:nvCxnSpPr>
+            <p:cNvPr id="48" name="직선 연결선 47">
+              <a:extLst>
+                <a:ext uri="{FF2B5EF4-FFF2-40B4-BE49-F238E27FC236}">
+                  <a16:creationId xmlns:a16="http://schemas.microsoft.com/office/drawing/2014/main" id="{58E762A8-B5F1-4A04-801E-A52CF5DB7436}"/>
+                </a:ext>
+              </a:extLst>
+            </p:cNvPr>
+            <p:cNvCxnSpPr/>
+            <p:nvPr/>
+          </p:nvCxnSpPr>
+          <p:spPr>
+            <a:xfrm>
+              <a:off x="4397122" y="2013670"/>
+              <a:ext cx="121612" cy="0"/>
+            </a:xfrm>
+            <a:prstGeom prst="line">
+              <a:avLst/>
+            </a:prstGeom>
+          </p:spPr>
+          <p:style>
+            <a:lnRef idx="1">
+              <a:schemeClr val="accent1"/>
+            </a:lnRef>
+            <a:fillRef idx="0">
+              <a:schemeClr val="accent1"/>
+            </a:fillRef>
+            <a:effectRef idx="0">
+              <a:schemeClr val="accent1"/>
+            </a:effectRef>
+            <a:fontRef idx="minor">
+              <a:schemeClr val="tx1"/>
+            </a:fontRef>
+          </p:style>
+        </p:cxnSp>
+        <p:cxnSp>
+          <p:nvCxnSpPr>
+            <p:cNvPr id="49" name="직선 연결선 48">
+              <a:extLst>
+                <a:ext uri="{FF2B5EF4-FFF2-40B4-BE49-F238E27FC236}">
+                  <a16:creationId xmlns:a16="http://schemas.microsoft.com/office/drawing/2014/main" id="{CA355443-0A20-4647-8B1E-9FB21C13989A}"/>
+                </a:ext>
+              </a:extLst>
+            </p:cNvPr>
+            <p:cNvCxnSpPr>
+              <a:cxnSpLocks/>
+            </p:cNvCxnSpPr>
+            <p:nvPr/>
+          </p:nvCxnSpPr>
+          <p:spPr>
+            <a:xfrm>
+              <a:off x="4398602" y="2139436"/>
+              <a:ext cx="121612" cy="0"/>
+            </a:xfrm>
+            <a:prstGeom prst="line">
+              <a:avLst/>
+            </a:prstGeom>
+          </p:spPr>
+          <p:style>
+            <a:lnRef idx="1">
+              <a:schemeClr val="accent1"/>
+            </a:lnRef>
+            <a:fillRef idx="0">
+              <a:schemeClr val="accent1"/>
+            </a:fillRef>
+            <a:effectRef idx="0">
+              <a:schemeClr val="accent1"/>
+            </a:effectRef>
+            <a:fontRef idx="minor">
+              <a:schemeClr val="tx1"/>
+            </a:fontRef>
+          </p:style>
+        </p:cxnSp>
+        <p:cxnSp>
+          <p:nvCxnSpPr>
+            <p:cNvPr id="50" name="직선 연결선 49">
+              <a:extLst>
+                <a:ext uri="{FF2B5EF4-FFF2-40B4-BE49-F238E27FC236}">
+                  <a16:creationId xmlns:a16="http://schemas.microsoft.com/office/drawing/2014/main" id="{9732AF2F-505A-44D8-A353-26859E08AB4D}"/>
+                </a:ext>
+              </a:extLst>
+            </p:cNvPr>
+            <p:cNvCxnSpPr>
+              <a:cxnSpLocks/>
+            </p:cNvCxnSpPr>
+            <p:nvPr/>
+          </p:nvCxnSpPr>
+          <p:spPr>
+            <a:xfrm>
+              <a:off x="4391201" y="2256324"/>
+              <a:ext cx="121612" cy="0"/>
+            </a:xfrm>
+            <a:prstGeom prst="line">
+              <a:avLst/>
+            </a:prstGeom>
+          </p:spPr>
+          <p:style>
+            <a:lnRef idx="1">
+              <a:schemeClr val="accent1"/>
+            </a:lnRef>
+            <a:fillRef idx="0">
+              <a:schemeClr val="accent1"/>
+            </a:fillRef>
+            <a:effectRef idx="0">
+              <a:schemeClr val="accent1"/>
+            </a:effectRef>
+            <a:fontRef idx="minor">
+              <a:schemeClr val="tx1"/>
+            </a:fontRef>
+          </p:style>
+        </p:cxnSp>
+        <p:cxnSp>
+          <p:nvCxnSpPr>
+            <p:cNvPr id="51" name="직선 연결선 50">
+              <a:extLst>
+                <a:ext uri="{FF2B5EF4-FFF2-40B4-BE49-F238E27FC236}">
+                  <a16:creationId xmlns:a16="http://schemas.microsoft.com/office/drawing/2014/main" id="{D0393B77-EF8C-4305-984B-36955AB18883}"/>
+                </a:ext>
+              </a:extLst>
+            </p:cNvPr>
+            <p:cNvCxnSpPr>
+              <a:cxnSpLocks/>
+            </p:cNvCxnSpPr>
+            <p:nvPr/>
+          </p:nvCxnSpPr>
+          <p:spPr>
+            <a:xfrm>
+              <a:off x="4392679" y="2364334"/>
+              <a:ext cx="121612" cy="0"/>
+            </a:xfrm>
+            <a:prstGeom prst="line">
+              <a:avLst/>
+            </a:prstGeom>
+          </p:spPr>
+          <p:style>
+            <a:lnRef idx="1">
+              <a:schemeClr val="accent1"/>
+            </a:lnRef>
+            <a:fillRef idx="0">
+              <a:schemeClr val="accent1"/>
+            </a:fillRef>
+            <a:effectRef idx="0">
+              <a:schemeClr val="accent1"/>
+            </a:effectRef>
+            <a:fontRef idx="minor">
+              <a:schemeClr val="tx1"/>
+            </a:fontRef>
+          </p:style>
+        </p:cxnSp>
+      </p:grpSp>
+      <p:grpSp>
+        <p:nvGrpSpPr>
+          <p:cNvPr id="52" name="그룹 51">
+            <a:extLst>
+              <a:ext uri="{FF2B5EF4-FFF2-40B4-BE49-F238E27FC236}">
+                <a16:creationId xmlns:a16="http://schemas.microsoft.com/office/drawing/2014/main" id="{C9E8582E-26F8-4A1C-B25B-57B3F67517F2}"/>
+              </a:ext>
+            </a:extLst>
+          </p:cNvPr>
+          <p:cNvGrpSpPr/>
+          <p:nvPr/>
+        </p:nvGrpSpPr>
+        <p:grpSpPr>
+          <a:xfrm rot="7381837">
+            <a:off x="10894956" y="2672676"/>
+            <a:ext cx="129013" cy="350664"/>
+            <a:chOff x="4391201" y="2013670"/>
+            <a:chExt cx="129013" cy="350664"/>
+          </a:xfrm>
+        </p:grpSpPr>
+        <p:cxnSp>
+          <p:nvCxnSpPr>
+            <p:cNvPr id="53" name="직선 연결선 52">
+              <a:extLst>
+                <a:ext uri="{FF2B5EF4-FFF2-40B4-BE49-F238E27FC236}">
+                  <a16:creationId xmlns:a16="http://schemas.microsoft.com/office/drawing/2014/main" id="{DA47A85F-ACC9-46E9-88E6-CB4A0503AB36}"/>
+                </a:ext>
+              </a:extLst>
+            </p:cNvPr>
+            <p:cNvCxnSpPr/>
+            <p:nvPr/>
+          </p:nvCxnSpPr>
+          <p:spPr>
+            <a:xfrm>
+              <a:off x="4397122" y="2013670"/>
+              <a:ext cx="121612" cy="0"/>
+            </a:xfrm>
+            <a:prstGeom prst="line">
+              <a:avLst/>
+            </a:prstGeom>
+          </p:spPr>
+          <p:style>
+            <a:lnRef idx="1">
+              <a:schemeClr val="accent1"/>
+            </a:lnRef>
+            <a:fillRef idx="0">
+              <a:schemeClr val="accent1"/>
+            </a:fillRef>
+            <a:effectRef idx="0">
+              <a:schemeClr val="accent1"/>
+            </a:effectRef>
+            <a:fontRef idx="minor">
+              <a:schemeClr val="tx1"/>
+            </a:fontRef>
+          </p:style>
+        </p:cxnSp>
+        <p:cxnSp>
+          <p:nvCxnSpPr>
+            <p:cNvPr id="54" name="직선 연결선 53">
+              <a:extLst>
+                <a:ext uri="{FF2B5EF4-FFF2-40B4-BE49-F238E27FC236}">
+                  <a16:creationId xmlns:a16="http://schemas.microsoft.com/office/drawing/2014/main" id="{A70D28AB-C5CE-494E-9954-670096F9B4CA}"/>
+                </a:ext>
+              </a:extLst>
+            </p:cNvPr>
+            <p:cNvCxnSpPr>
+              <a:cxnSpLocks/>
+            </p:cNvCxnSpPr>
+            <p:nvPr/>
+          </p:nvCxnSpPr>
+          <p:spPr>
+            <a:xfrm>
+              <a:off x="4398602" y="2139436"/>
+              <a:ext cx="121612" cy="0"/>
+            </a:xfrm>
+            <a:prstGeom prst="line">
+              <a:avLst/>
+            </a:prstGeom>
+          </p:spPr>
+          <p:style>
+            <a:lnRef idx="1">
+              <a:schemeClr val="accent1"/>
+            </a:lnRef>
+            <a:fillRef idx="0">
+              <a:schemeClr val="accent1"/>
+            </a:fillRef>
+            <a:effectRef idx="0">
+              <a:schemeClr val="accent1"/>
+            </a:effectRef>
+            <a:fontRef idx="minor">
+              <a:schemeClr val="tx1"/>
+            </a:fontRef>
+          </p:style>
+        </p:cxnSp>
+        <p:cxnSp>
+          <p:nvCxnSpPr>
+            <p:cNvPr id="55" name="직선 연결선 54">
+              <a:extLst>
+                <a:ext uri="{FF2B5EF4-FFF2-40B4-BE49-F238E27FC236}">
+                  <a16:creationId xmlns:a16="http://schemas.microsoft.com/office/drawing/2014/main" id="{87D4CB1F-A445-4EEC-BDFA-ECAEBF258395}"/>
+                </a:ext>
+              </a:extLst>
+            </p:cNvPr>
+            <p:cNvCxnSpPr>
+              <a:cxnSpLocks/>
+            </p:cNvCxnSpPr>
+            <p:nvPr/>
+          </p:nvCxnSpPr>
+          <p:spPr>
+            <a:xfrm>
+              <a:off x="4391201" y="2256324"/>
+              <a:ext cx="121612" cy="0"/>
+            </a:xfrm>
+            <a:prstGeom prst="line">
+              <a:avLst/>
+            </a:prstGeom>
+          </p:spPr>
+          <p:style>
+            <a:lnRef idx="1">
+              <a:schemeClr val="accent1"/>
+            </a:lnRef>
+            <a:fillRef idx="0">
+              <a:schemeClr val="accent1"/>
+            </a:fillRef>
+            <a:effectRef idx="0">
+              <a:schemeClr val="accent1"/>
+            </a:effectRef>
+            <a:fontRef idx="minor">
+              <a:schemeClr val="tx1"/>
+            </a:fontRef>
+          </p:style>
+        </p:cxnSp>
+        <p:cxnSp>
+          <p:nvCxnSpPr>
+            <p:cNvPr id="56" name="직선 연결선 55">
+              <a:extLst>
+                <a:ext uri="{FF2B5EF4-FFF2-40B4-BE49-F238E27FC236}">
+                  <a16:creationId xmlns:a16="http://schemas.microsoft.com/office/drawing/2014/main" id="{73D58B7B-6FD8-46BC-8887-B613AB37AA94}"/>
+                </a:ext>
+              </a:extLst>
+            </p:cNvPr>
+            <p:cNvCxnSpPr>
+              <a:cxnSpLocks/>
+            </p:cNvCxnSpPr>
+            <p:nvPr/>
+          </p:nvCxnSpPr>
+          <p:spPr>
+            <a:xfrm>
+              <a:off x="4392679" y="2364334"/>
+              <a:ext cx="121612" cy="0"/>
+            </a:xfrm>
+            <a:prstGeom prst="line">
+              <a:avLst/>
+            </a:prstGeom>
+          </p:spPr>
+          <p:style>
+            <a:lnRef idx="1">
+              <a:schemeClr val="accent1"/>
+            </a:lnRef>
+            <a:fillRef idx="0">
+              <a:schemeClr val="accent1"/>
+            </a:fillRef>
+            <a:effectRef idx="0">
+              <a:schemeClr val="accent1"/>
+            </a:effectRef>
+            <a:fontRef idx="minor">
+              <a:schemeClr val="tx1"/>
+            </a:fontRef>
+          </p:style>
+        </p:cxnSp>
+      </p:grpSp>
+      <p:grpSp>
+        <p:nvGrpSpPr>
+          <p:cNvPr id="57" name="그룹 56">
+            <a:extLst>
+              <a:ext uri="{FF2B5EF4-FFF2-40B4-BE49-F238E27FC236}">
+                <a16:creationId xmlns:a16="http://schemas.microsoft.com/office/drawing/2014/main" id="{C22106E6-67B5-4231-8939-D05044866241}"/>
+              </a:ext>
+            </a:extLst>
+          </p:cNvPr>
+          <p:cNvGrpSpPr/>
+          <p:nvPr/>
+        </p:nvGrpSpPr>
+        <p:grpSpPr>
+          <a:xfrm>
+            <a:off x="8529675" y="3979066"/>
+            <a:ext cx="129013" cy="350664"/>
+            <a:chOff x="4391201" y="2013670"/>
+            <a:chExt cx="129013" cy="350664"/>
+          </a:xfrm>
+        </p:grpSpPr>
+        <p:cxnSp>
+          <p:nvCxnSpPr>
+            <p:cNvPr id="58" name="직선 연결선 57">
+              <a:extLst>
+                <a:ext uri="{FF2B5EF4-FFF2-40B4-BE49-F238E27FC236}">
+                  <a16:creationId xmlns:a16="http://schemas.microsoft.com/office/drawing/2014/main" id="{7199C3B4-39EB-4853-830F-E81A229188F5}"/>
+                </a:ext>
+              </a:extLst>
+            </p:cNvPr>
+            <p:cNvCxnSpPr/>
+            <p:nvPr/>
+          </p:nvCxnSpPr>
+          <p:spPr>
+            <a:xfrm>
+              <a:off x="4397122" y="2013670"/>
+              <a:ext cx="121612" cy="0"/>
+            </a:xfrm>
+            <a:prstGeom prst="line">
+              <a:avLst/>
+            </a:prstGeom>
+          </p:spPr>
+          <p:style>
+            <a:lnRef idx="1">
+              <a:schemeClr val="accent1"/>
+            </a:lnRef>
+            <a:fillRef idx="0">
+              <a:schemeClr val="accent1"/>
+            </a:fillRef>
+            <a:effectRef idx="0">
+              <a:schemeClr val="accent1"/>
+            </a:effectRef>
+            <a:fontRef idx="minor">
+              <a:schemeClr val="tx1"/>
+            </a:fontRef>
+          </p:style>
+        </p:cxnSp>
+        <p:cxnSp>
+          <p:nvCxnSpPr>
+            <p:cNvPr id="59" name="직선 연결선 58">
+              <a:extLst>
+                <a:ext uri="{FF2B5EF4-FFF2-40B4-BE49-F238E27FC236}">
+                  <a16:creationId xmlns:a16="http://schemas.microsoft.com/office/drawing/2014/main" id="{535B243C-7BC9-4AD2-86A2-2406AB7CBA79}"/>
+                </a:ext>
+              </a:extLst>
+            </p:cNvPr>
+            <p:cNvCxnSpPr>
+              <a:cxnSpLocks/>
+            </p:cNvCxnSpPr>
+            <p:nvPr/>
+          </p:nvCxnSpPr>
+          <p:spPr>
+            <a:xfrm>
+              <a:off x="4398602" y="2139436"/>
+              <a:ext cx="121612" cy="0"/>
+            </a:xfrm>
+            <a:prstGeom prst="line">
+              <a:avLst/>
+            </a:prstGeom>
+          </p:spPr>
+          <p:style>
+            <a:lnRef idx="1">
+              <a:schemeClr val="accent1"/>
+            </a:lnRef>
+            <a:fillRef idx="0">
+              <a:schemeClr val="accent1"/>
+            </a:fillRef>
+            <a:effectRef idx="0">
+              <a:schemeClr val="accent1"/>
+            </a:effectRef>
+            <a:fontRef idx="minor">
+              <a:schemeClr val="tx1"/>
+            </a:fontRef>
+          </p:style>
+        </p:cxnSp>
+        <p:cxnSp>
+          <p:nvCxnSpPr>
+            <p:cNvPr id="60" name="직선 연결선 59">
+              <a:extLst>
+                <a:ext uri="{FF2B5EF4-FFF2-40B4-BE49-F238E27FC236}">
+                  <a16:creationId xmlns:a16="http://schemas.microsoft.com/office/drawing/2014/main" id="{3D4ABF9D-EF7A-4A47-813E-AB4C28CEEBB4}"/>
+                </a:ext>
+              </a:extLst>
+            </p:cNvPr>
+            <p:cNvCxnSpPr>
+              <a:cxnSpLocks/>
+            </p:cNvCxnSpPr>
+            <p:nvPr/>
+          </p:nvCxnSpPr>
+          <p:spPr>
+            <a:xfrm>
+              <a:off x="4391201" y="2256324"/>
+              <a:ext cx="121612" cy="0"/>
+            </a:xfrm>
+            <a:prstGeom prst="line">
+              <a:avLst/>
+            </a:prstGeom>
+          </p:spPr>
+          <p:style>
+            <a:lnRef idx="1">
+              <a:schemeClr val="accent1"/>
+            </a:lnRef>
+            <a:fillRef idx="0">
+              <a:schemeClr val="accent1"/>
+            </a:fillRef>
+            <a:effectRef idx="0">
+              <a:schemeClr val="accent1"/>
+            </a:effectRef>
+            <a:fontRef idx="minor">
+              <a:schemeClr val="tx1"/>
+            </a:fontRef>
+          </p:style>
+        </p:cxnSp>
+        <p:cxnSp>
+          <p:nvCxnSpPr>
+            <p:cNvPr id="61" name="직선 연결선 60">
+              <a:extLst>
+                <a:ext uri="{FF2B5EF4-FFF2-40B4-BE49-F238E27FC236}">
+                  <a16:creationId xmlns:a16="http://schemas.microsoft.com/office/drawing/2014/main" id="{B1028C02-AC13-4C75-87BC-2C4123C50518}"/>
+                </a:ext>
+              </a:extLst>
+            </p:cNvPr>
+            <p:cNvCxnSpPr>
+              <a:cxnSpLocks/>
+            </p:cNvCxnSpPr>
+            <p:nvPr/>
+          </p:nvCxnSpPr>
+          <p:spPr>
+            <a:xfrm>
+              <a:off x="4392679" y="2364334"/>
+              <a:ext cx="121612" cy="0"/>
+            </a:xfrm>
+            <a:prstGeom prst="line">
+              <a:avLst/>
+            </a:prstGeom>
+          </p:spPr>
+          <p:style>
+            <a:lnRef idx="1">
+              <a:schemeClr val="accent1"/>
+            </a:lnRef>
+            <a:fillRef idx="0">
+              <a:schemeClr val="accent1"/>
+            </a:fillRef>
+            <a:effectRef idx="0">
+              <a:schemeClr val="accent1"/>
+            </a:effectRef>
+            <a:fontRef idx="minor">
+              <a:schemeClr val="tx1"/>
+            </a:fontRef>
+          </p:style>
+        </p:cxnSp>
+      </p:grpSp>
+      <p:sp>
+        <p:nvSpPr>
+          <p:cNvPr id="62" name="TextBox 61">
+            <a:extLst>
+              <a:ext uri="{FF2B5EF4-FFF2-40B4-BE49-F238E27FC236}">
+                <a16:creationId xmlns:a16="http://schemas.microsoft.com/office/drawing/2014/main" id="{0A36F4F5-7AD9-47CC-89D6-33CA0874165E}"/>
+              </a:ext>
+            </a:extLst>
+          </p:cNvPr>
+          <p:cNvSpPr txBox="1"/>
+          <p:nvPr/>
+        </p:nvSpPr>
+        <p:spPr>
+          <a:xfrm>
+            <a:off x="103815" y="1625364"/>
+            <a:ext cx="11984371" cy="523220"/>
+          </a:xfrm>
+          <a:prstGeom prst="rect">
+            <a:avLst/>
+          </a:prstGeom>
+          <a:noFill/>
+        </p:spPr>
+        <p:txBody>
+          <a:bodyPr wrap="none" rtlCol="0">
+            <a:spAutoFit/>
+            <a:scene3d>
+              <a:camera prst="orthographicFront"/>
+              <a:lightRig rig="threePt" dir="t"/>
+            </a:scene3d>
+            <a:sp3d extrusionH="57150">
+              <a:bevelT w="38100" h="38100"/>
+            </a:sp3d>
+          </a:bodyPr>
+          <a:lstStyle/>
+          <a:p>
+            <a:r>
+              <a:rPr lang="ko-KR" altLang="en-US" sz="2800" b="1" dirty="0">
+                <a:solidFill>
+                  <a:schemeClr val="accent4"/>
+                </a:solidFill>
+              </a:rPr>
+              <a:t>게임 목표</a:t>
+            </a:r>
+            <a:r>
+              <a:rPr lang="en-US" altLang="ko-KR" sz="2800" b="1" dirty="0">
+                <a:solidFill>
+                  <a:schemeClr val="accent4"/>
+                </a:solidFill>
+              </a:rPr>
+              <a:t>=</a:t>
+            </a:r>
+            <a:r>
+              <a:rPr lang="ko-KR" altLang="en-US" sz="2800" b="1" dirty="0">
+                <a:solidFill>
+                  <a:schemeClr val="accent4"/>
+                </a:solidFill>
+              </a:rPr>
+              <a:t>오랜 시간동안 생존하고 적군을 제거하며 높은 점수를 올려라</a:t>
+            </a:r>
+            <a:r>
+              <a:rPr lang="en-US" altLang="ko-KR" sz="2800" b="1" dirty="0">
+                <a:solidFill>
+                  <a:schemeClr val="accent4"/>
+                </a:solidFill>
+              </a:rPr>
+              <a:t>!</a:t>
+            </a:r>
+            <a:endParaRPr lang="ko-KR" altLang="en-US" sz="2800" b="1" dirty="0">
+              <a:solidFill>
+                <a:schemeClr val="accent4"/>
+              </a:solidFill>
+            </a:endParaRPr>
+          </a:p>
+        </p:txBody>
+      </p:sp>
+      <p:sp>
+        <p:nvSpPr>
+          <p:cNvPr id="63" name="TextBox 62">
+            <a:extLst>
+              <a:ext uri="{FF2B5EF4-FFF2-40B4-BE49-F238E27FC236}">
+                <a16:creationId xmlns:a16="http://schemas.microsoft.com/office/drawing/2014/main" id="{FF33CB96-3414-4035-9D27-F1F5E652B1D6}"/>
+              </a:ext>
+            </a:extLst>
+          </p:cNvPr>
+          <p:cNvSpPr txBox="1"/>
+          <p:nvPr/>
+        </p:nvSpPr>
+        <p:spPr>
+          <a:xfrm>
+            <a:off x="3382565" y="5779850"/>
+            <a:ext cx="5426870" cy="584775"/>
+          </a:xfrm>
+          <a:prstGeom prst="rect">
+            <a:avLst/>
+          </a:prstGeom>
+          <a:noFill/>
+        </p:spPr>
+        <p:txBody>
+          <a:bodyPr wrap="none" rtlCol="0">
+            <a:spAutoFit/>
+            <a:scene3d>
+              <a:camera prst="orthographicFront"/>
+              <a:lightRig rig="threePt" dir="t"/>
+            </a:scene3d>
+            <a:sp3d extrusionH="57150">
+              <a:bevelT w="38100" h="38100"/>
+            </a:sp3d>
+          </a:bodyPr>
+          <a:lstStyle/>
+          <a:p>
+            <a:r>
+              <a:rPr lang="en-US" altLang="ko-KR" sz="3200" b="1" dirty="0">
+                <a:solidFill>
+                  <a:schemeClr val="accent4"/>
+                </a:solidFill>
+              </a:rPr>
+              <a:t>HP</a:t>
+            </a:r>
+            <a:r>
+              <a:rPr lang="ko-KR" altLang="en-US" sz="3200" b="1" dirty="0">
+                <a:solidFill>
+                  <a:schemeClr val="accent4"/>
+                </a:solidFill>
+              </a:rPr>
+              <a:t> 전부 </a:t>
+            </a:r>
+            <a:r>
+              <a:rPr lang="ko-KR" altLang="en-US" sz="3200" b="1" dirty="0" err="1">
+                <a:solidFill>
+                  <a:schemeClr val="accent4"/>
+                </a:solidFill>
+              </a:rPr>
+              <a:t>소모시</a:t>
+            </a:r>
+            <a:r>
+              <a:rPr lang="ko-KR" altLang="en-US" sz="3200" b="1" dirty="0">
+                <a:solidFill>
+                  <a:schemeClr val="accent4"/>
+                </a:solidFill>
+              </a:rPr>
+              <a:t> </a:t>
+            </a:r>
+            <a:r>
+              <a:rPr lang="en-US" altLang="ko-KR" sz="3200" b="1" dirty="0">
+                <a:solidFill>
+                  <a:schemeClr val="accent4"/>
+                </a:solidFill>
+              </a:rPr>
+              <a:t>Game Over</a:t>
+            </a:r>
+            <a:endParaRPr lang="ko-KR" altLang="en-US" sz="3200" b="1" dirty="0">
+              <a:solidFill>
+                <a:schemeClr val="accent4"/>
+              </a:solidFill>
+            </a:endParaRPr>
+          </a:p>
+        </p:txBody>
+      </p:sp>
     </p:spTree>
     <p:extLst>
       <p:ext uri="{BB962C8B-B14F-4D97-AF65-F5344CB8AC3E}">
@@ -4380,6 +6311,1192 @@
   <p:clrMapOvr>
     <a:masterClrMapping/>
   </p:clrMapOvr>
+  <p:timing>
+    <p:tnLst>
+      <p:par>
+        <p:cTn id="1" dur="indefinite" restart="never" nodeType="tmRoot">
+          <p:childTnLst>
+            <p:seq concurrent="1" nextAc="seek">
+              <p:cTn id="2" dur="indefinite" nodeType="mainSeq">
+                <p:childTnLst>
+                  <p:par>
+                    <p:cTn id="3" fill="hold">
+                      <p:stCondLst>
+                        <p:cond delay="indefinite"/>
+                      </p:stCondLst>
+                      <p:childTnLst>
+                        <p:par>
+                          <p:cTn id="4" fill="hold">
+                            <p:stCondLst>
+                              <p:cond delay="0"/>
+                            </p:stCondLst>
+                            <p:childTnLst>
+                              <p:par>
+                                <p:cTn id="5" presetID="2" presetClass="entr" presetSubtype="8" fill="hold" grpId="0" nodeType="clickEffect">
+                                  <p:stCondLst>
+                                    <p:cond delay="0"/>
+                                  </p:stCondLst>
+                                  <p:childTnLst>
+                                    <p:set>
+                                      <p:cBhvr>
+                                        <p:cTn id="6" dur="1" fill="hold">
+                                          <p:stCondLst>
+                                            <p:cond delay="0"/>
+                                          </p:stCondLst>
+                                        </p:cTn>
+                                        <p:tgtEl>
+                                          <p:spTgt spid="62"/>
+                                        </p:tgtEl>
+                                        <p:attrNameLst>
+                                          <p:attrName>style.visibility</p:attrName>
+                                        </p:attrNameLst>
+                                      </p:cBhvr>
+                                      <p:to>
+                                        <p:strVal val="visible"/>
+                                      </p:to>
+                                    </p:set>
+                                    <p:anim calcmode="lin" valueType="num">
+                                      <p:cBhvr additive="base">
+                                        <p:cTn id="7" dur="500" fill="hold"/>
+                                        <p:tgtEl>
+                                          <p:spTgt spid="62"/>
+                                        </p:tgtEl>
+                                        <p:attrNameLst>
+                                          <p:attrName>ppt_x</p:attrName>
+                                        </p:attrNameLst>
+                                      </p:cBhvr>
+                                      <p:tavLst>
+                                        <p:tav tm="0">
+                                          <p:val>
+                                            <p:strVal val="0-#ppt_w/2"/>
+                                          </p:val>
+                                        </p:tav>
+                                        <p:tav tm="100000">
+                                          <p:val>
+                                            <p:strVal val="#ppt_x"/>
+                                          </p:val>
+                                        </p:tav>
+                                      </p:tavLst>
+                                    </p:anim>
+                                    <p:anim calcmode="lin" valueType="num">
+                                      <p:cBhvr additive="base">
+                                        <p:cTn id="8" dur="500" fill="hold"/>
+                                        <p:tgtEl>
+                                          <p:spTgt spid="62"/>
+                                        </p:tgtEl>
+                                        <p:attrNameLst>
+                                          <p:attrName>ppt_y</p:attrName>
+                                        </p:attrNameLst>
+                                      </p:cBhvr>
+                                      <p:tavLst>
+                                        <p:tav tm="0">
+                                          <p:val>
+                                            <p:strVal val="#ppt_y"/>
+                                          </p:val>
+                                        </p:tav>
+                                        <p:tav tm="100000">
+                                          <p:val>
+                                            <p:strVal val="#ppt_y"/>
+                                          </p:val>
+                                        </p:tav>
+                                      </p:tavLst>
+                                    </p:anim>
+                                  </p:childTnLst>
+                                </p:cTn>
+                              </p:par>
+                            </p:childTnLst>
+                          </p:cTn>
+                        </p:par>
+                      </p:childTnLst>
+                    </p:cTn>
+                  </p:par>
+                  <p:par>
+                    <p:cTn id="9" fill="hold">
+                      <p:stCondLst>
+                        <p:cond delay="indefinite"/>
+                      </p:stCondLst>
+                      <p:childTnLst>
+                        <p:par>
+                          <p:cTn id="10" fill="hold">
+                            <p:stCondLst>
+                              <p:cond delay="0"/>
+                            </p:stCondLst>
+                            <p:childTnLst>
+                              <p:par>
+                                <p:cTn id="11" presetID="10" presetClass="entr" presetSubtype="0" fill="hold" grpId="0" nodeType="clickEffect">
+                                  <p:stCondLst>
+                                    <p:cond delay="0"/>
+                                  </p:stCondLst>
+                                  <p:childTnLst>
+                                    <p:set>
+                                      <p:cBhvr>
+                                        <p:cTn id="12" dur="1" fill="hold">
+                                          <p:stCondLst>
+                                            <p:cond delay="0"/>
+                                          </p:stCondLst>
+                                        </p:cTn>
+                                        <p:tgtEl>
+                                          <p:spTgt spid="3"/>
+                                        </p:tgtEl>
+                                        <p:attrNameLst>
+                                          <p:attrName>style.visibility</p:attrName>
+                                        </p:attrNameLst>
+                                      </p:cBhvr>
+                                      <p:to>
+                                        <p:strVal val="visible"/>
+                                      </p:to>
+                                    </p:set>
+                                    <p:animEffect transition="in" filter="fade">
+                                      <p:cBhvr>
+                                        <p:cTn id="13" dur="500"/>
+                                        <p:tgtEl>
+                                          <p:spTgt spid="3"/>
+                                        </p:tgtEl>
+                                      </p:cBhvr>
+                                    </p:animEffect>
+                                  </p:childTnLst>
+                                </p:cTn>
+                              </p:par>
+                              <p:par>
+                                <p:cTn id="14" presetID="10" presetClass="entr" presetSubtype="0" fill="hold" nodeType="withEffect">
+                                  <p:stCondLst>
+                                    <p:cond delay="0"/>
+                                  </p:stCondLst>
+                                  <p:childTnLst>
+                                    <p:set>
+                                      <p:cBhvr>
+                                        <p:cTn id="15" dur="1" fill="hold">
+                                          <p:stCondLst>
+                                            <p:cond delay="0"/>
+                                          </p:stCondLst>
+                                        </p:cTn>
+                                        <p:tgtEl>
+                                          <p:spTgt spid="9"/>
+                                        </p:tgtEl>
+                                        <p:attrNameLst>
+                                          <p:attrName>style.visibility</p:attrName>
+                                        </p:attrNameLst>
+                                      </p:cBhvr>
+                                      <p:to>
+                                        <p:strVal val="visible"/>
+                                      </p:to>
+                                    </p:set>
+                                    <p:animEffect transition="in" filter="fade">
+                                      <p:cBhvr>
+                                        <p:cTn id="16" dur="500"/>
+                                        <p:tgtEl>
+                                          <p:spTgt spid="9"/>
+                                        </p:tgtEl>
+                                      </p:cBhvr>
+                                    </p:animEffect>
+                                  </p:childTnLst>
+                                </p:cTn>
+                              </p:par>
+                              <p:par>
+                                <p:cTn id="17" presetID="10" presetClass="entr" presetSubtype="0" fill="hold" grpId="0" nodeType="withEffect">
+                                  <p:stCondLst>
+                                    <p:cond delay="0"/>
+                                  </p:stCondLst>
+                                  <p:childTnLst>
+                                    <p:set>
+                                      <p:cBhvr>
+                                        <p:cTn id="18" dur="1" fill="hold">
+                                          <p:stCondLst>
+                                            <p:cond delay="0"/>
+                                          </p:stCondLst>
+                                        </p:cTn>
+                                        <p:tgtEl>
+                                          <p:spTgt spid="10"/>
+                                        </p:tgtEl>
+                                        <p:attrNameLst>
+                                          <p:attrName>style.visibility</p:attrName>
+                                        </p:attrNameLst>
+                                      </p:cBhvr>
+                                      <p:to>
+                                        <p:strVal val="visible"/>
+                                      </p:to>
+                                    </p:set>
+                                    <p:animEffect transition="in" filter="fade">
+                                      <p:cBhvr>
+                                        <p:cTn id="19" dur="500"/>
+                                        <p:tgtEl>
+                                          <p:spTgt spid="10"/>
+                                        </p:tgtEl>
+                                      </p:cBhvr>
+                                    </p:animEffect>
+                                  </p:childTnLst>
+                                </p:cTn>
+                              </p:par>
+                            </p:childTnLst>
+                          </p:cTn>
+                        </p:par>
+                      </p:childTnLst>
+                    </p:cTn>
+                  </p:par>
+                  <p:par>
+                    <p:cTn id="20" fill="hold">
+                      <p:stCondLst>
+                        <p:cond delay="indefinite"/>
+                      </p:stCondLst>
+                      <p:childTnLst>
+                        <p:par>
+                          <p:cTn id="21" fill="hold">
+                            <p:stCondLst>
+                              <p:cond delay="0"/>
+                            </p:stCondLst>
+                            <p:childTnLst>
+                              <p:par>
+                                <p:cTn id="22" presetID="10" presetClass="entr" presetSubtype="0" fill="hold" grpId="0" nodeType="clickEffect">
+                                  <p:stCondLst>
+                                    <p:cond delay="0"/>
+                                  </p:stCondLst>
+                                  <p:childTnLst>
+                                    <p:set>
+                                      <p:cBhvr>
+                                        <p:cTn id="23" dur="1" fill="hold">
+                                          <p:stCondLst>
+                                            <p:cond delay="0"/>
+                                          </p:stCondLst>
+                                        </p:cTn>
+                                        <p:tgtEl>
+                                          <p:spTgt spid="7"/>
+                                        </p:tgtEl>
+                                        <p:attrNameLst>
+                                          <p:attrName>style.visibility</p:attrName>
+                                        </p:attrNameLst>
+                                      </p:cBhvr>
+                                      <p:to>
+                                        <p:strVal val="visible"/>
+                                      </p:to>
+                                    </p:set>
+                                    <p:animEffect transition="in" filter="fade">
+                                      <p:cBhvr>
+                                        <p:cTn id="24" dur="500"/>
+                                        <p:tgtEl>
+                                          <p:spTgt spid="7"/>
+                                        </p:tgtEl>
+                                      </p:cBhvr>
+                                    </p:animEffect>
+                                  </p:childTnLst>
+                                </p:cTn>
+                              </p:par>
+                              <p:par>
+                                <p:cTn id="25" presetID="10" presetClass="entr" presetSubtype="0" fill="hold" nodeType="withEffect">
+                                  <p:stCondLst>
+                                    <p:cond delay="0"/>
+                                  </p:stCondLst>
+                                  <p:childTnLst>
+                                    <p:set>
+                                      <p:cBhvr>
+                                        <p:cTn id="26" dur="1" fill="hold">
+                                          <p:stCondLst>
+                                            <p:cond delay="0"/>
+                                          </p:stCondLst>
+                                        </p:cTn>
+                                        <p:tgtEl>
+                                          <p:spTgt spid="4"/>
+                                        </p:tgtEl>
+                                        <p:attrNameLst>
+                                          <p:attrName>style.visibility</p:attrName>
+                                        </p:attrNameLst>
+                                      </p:cBhvr>
+                                      <p:to>
+                                        <p:strVal val="visible"/>
+                                      </p:to>
+                                    </p:set>
+                                    <p:animEffect transition="in" filter="fade">
+                                      <p:cBhvr>
+                                        <p:cTn id="27" dur="500"/>
+                                        <p:tgtEl>
+                                          <p:spTgt spid="4"/>
+                                        </p:tgtEl>
+                                      </p:cBhvr>
+                                    </p:animEffect>
+                                  </p:childTnLst>
+                                </p:cTn>
+                              </p:par>
+                              <p:par>
+                                <p:cTn id="28" presetID="10" presetClass="entr" presetSubtype="0" fill="hold" nodeType="withEffect">
+                                  <p:stCondLst>
+                                    <p:cond delay="0"/>
+                                  </p:stCondLst>
+                                  <p:childTnLst>
+                                    <p:set>
+                                      <p:cBhvr>
+                                        <p:cTn id="29" dur="1" fill="hold">
+                                          <p:stCondLst>
+                                            <p:cond delay="0"/>
+                                          </p:stCondLst>
+                                        </p:cTn>
+                                        <p:tgtEl>
+                                          <p:spTgt spid="6"/>
+                                        </p:tgtEl>
+                                        <p:attrNameLst>
+                                          <p:attrName>style.visibility</p:attrName>
+                                        </p:attrNameLst>
+                                      </p:cBhvr>
+                                      <p:to>
+                                        <p:strVal val="visible"/>
+                                      </p:to>
+                                    </p:set>
+                                    <p:animEffect transition="in" filter="fade">
+                                      <p:cBhvr>
+                                        <p:cTn id="30" dur="500"/>
+                                        <p:tgtEl>
+                                          <p:spTgt spid="6"/>
+                                        </p:tgtEl>
+                                      </p:cBhvr>
+                                    </p:animEffect>
+                                  </p:childTnLst>
+                                </p:cTn>
+                              </p:par>
+                              <p:par>
+                                <p:cTn id="31" presetID="10" presetClass="entr" presetSubtype="0" fill="hold" grpId="0" nodeType="withEffect">
+                                  <p:stCondLst>
+                                    <p:cond delay="0"/>
+                                  </p:stCondLst>
+                                  <p:childTnLst>
+                                    <p:set>
+                                      <p:cBhvr>
+                                        <p:cTn id="32" dur="1" fill="hold">
+                                          <p:stCondLst>
+                                            <p:cond delay="0"/>
+                                          </p:stCondLst>
+                                        </p:cTn>
+                                        <p:tgtEl>
+                                          <p:spTgt spid="11"/>
+                                        </p:tgtEl>
+                                        <p:attrNameLst>
+                                          <p:attrName>style.visibility</p:attrName>
+                                        </p:attrNameLst>
+                                      </p:cBhvr>
+                                      <p:to>
+                                        <p:strVal val="visible"/>
+                                      </p:to>
+                                    </p:set>
+                                    <p:animEffect transition="in" filter="fade">
+                                      <p:cBhvr>
+                                        <p:cTn id="33" dur="500"/>
+                                        <p:tgtEl>
+                                          <p:spTgt spid="11"/>
+                                        </p:tgtEl>
+                                      </p:cBhvr>
+                                    </p:animEffect>
+                                  </p:childTnLst>
+                                </p:cTn>
+                              </p:par>
+                              <p:par>
+                                <p:cTn id="34" presetID="10" presetClass="entr" presetSubtype="0" fill="hold" nodeType="withEffect">
+                                  <p:stCondLst>
+                                    <p:cond delay="0"/>
+                                  </p:stCondLst>
+                                  <p:childTnLst>
+                                    <p:set>
+                                      <p:cBhvr>
+                                        <p:cTn id="35" dur="1" fill="hold">
+                                          <p:stCondLst>
+                                            <p:cond delay="0"/>
+                                          </p:stCondLst>
+                                        </p:cTn>
+                                        <p:tgtEl>
+                                          <p:spTgt spid="12"/>
+                                        </p:tgtEl>
+                                        <p:attrNameLst>
+                                          <p:attrName>style.visibility</p:attrName>
+                                        </p:attrNameLst>
+                                      </p:cBhvr>
+                                      <p:to>
+                                        <p:strVal val="visible"/>
+                                      </p:to>
+                                    </p:set>
+                                    <p:animEffect transition="in" filter="fade">
+                                      <p:cBhvr>
+                                        <p:cTn id="36" dur="500"/>
+                                        <p:tgtEl>
+                                          <p:spTgt spid="12"/>
+                                        </p:tgtEl>
+                                      </p:cBhvr>
+                                    </p:animEffect>
+                                  </p:childTnLst>
+                                </p:cTn>
+                              </p:par>
+                              <p:par>
+                                <p:cTn id="37" presetID="10" presetClass="entr" presetSubtype="0" fill="hold" nodeType="withEffect">
+                                  <p:stCondLst>
+                                    <p:cond delay="0"/>
+                                  </p:stCondLst>
+                                  <p:childTnLst>
+                                    <p:set>
+                                      <p:cBhvr>
+                                        <p:cTn id="38" dur="1" fill="hold">
+                                          <p:stCondLst>
+                                            <p:cond delay="0"/>
+                                          </p:stCondLst>
+                                        </p:cTn>
+                                        <p:tgtEl>
+                                          <p:spTgt spid="30"/>
+                                        </p:tgtEl>
+                                        <p:attrNameLst>
+                                          <p:attrName>style.visibility</p:attrName>
+                                        </p:attrNameLst>
+                                      </p:cBhvr>
+                                      <p:to>
+                                        <p:strVal val="visible"/>
+                                      </p:to>
+                                    </p:set>
+                                    <p:animEffect transition="in" filter="fade">
+                                      <p:cBhvr>
+                                        <p:cTn id="39" dur="500"/>
+                                        <p:tgtEl>
+                                          <p:spTgt spid="30"/>
+                                        </p:tgtEl>
+                                      </p:cBhvr>
+                                    </p:animEffect>
+                                  </p:childTnLst>
+                                </p:cTn>
+                              </p:par>
+                              <p:par>
+                                <p:cTn id="40" presetID="10" presetClass="entr" presetSubtype="0" fill="hold" nodeType="withEffect">
+                                  <p:stCondLst>
+                                    <p:cond delay="0"/>
+                                  </p:stCondLst>
+                                  <p:childTnLst>
+                                    <p:set>
+                                      <p:cBhvr>
+                                        <p:cTn id="41" dur="1" fill="hold">
+                                          <p:stCondLst>
+                                            <p:cond delay="0"/>
+                                          </p:stCondLst>
+                                        </p:cTn>
+                                        <p:tgtEl>
+                                          <p:spTgt spid="19"/>
+                                        </p:tgtEl>
+                                        <p:attrNameLst>
+                                          <p:attrName>style.visibility</p:attrName>
+                                        </p:attrNameLst>
+                                      </p:cBhvr>
+                                      <p:to>
+                                        <p:strVal val="visible"/>
+                                      </p:to>
+                                    </p:set>
+                                    <p:animEffect transition="in" filter="fade">
+                                      <p:cBhvr>
+                                        <p:cTn id="42" dur="500"/>
+                                        <p:tgtEl>
+                                          <p:spTgt spid="19"/>
+                                        </p:tgtEl>
+                                      </p:cBhvr>
+                                    </p:animEffect>
+                                  </p:childTnLst>
+                                </p:cTn>
+                              </p:par>
+                              <p:par>
+                                <p:cTn id="43" presetID="10" presetClass="entr" presetSubtype="0" fill="hold" nodeType="withEffect">
+                                  <p:stCondLst>
+                                    <p:cond delay="0"/>
+                                  </p:stCondLst>
+                                  <p:childTnLst>
+                                    <p:set>
+                                      <p:cBhvr>
+                                        <p:cTn id="44" dur="1" fill="hold">
+                                          <p:stCondLst>
+                                            <p:cond delay="0"/>
+                                          </p:stCondLst>
+                                        </p:cTn>
+                                        <p:tgtEl>
+                                          <p:spTgt spid="24"/>
+                                        </p:tgtEl>
+                                        <p:attrNameLst>
+                                          <p:attrName>style.visibility</p:attrName>
+                                        </p:attrNameLst>
+                                      </p:cBhvr>
+                                      <p:to>
+                                        <p:strVal val="visible"/>
+                                      </p:to>
+                                    </p:set>
+                                    <p:animEffect transition="in" filter="fade">
+                                      <p:cBhvr>
+                                        <p:cTn id="45" dur="500"/>
+                                        <p:tgtEl>
+                                          <p:spTgt spid="24"/>
+                                        </p:tgtEl>
+                                      </p:cBhvr>
+                                    </p:animEffect>
+                                  </p:childTnLst>
+                                </p:cTn>
+                              </p:par>
+                              <p:par>
+                                <p:cTn id="46" presetID="10" presetClass="entr" presetSubtype="0" fill="hold" nodeType="withEffect">
+                                  <p:stCondLst>
+                                    <p:cond delay="0"/>
+                                  </p:stCondLst>
+                                  <p:childTnLst>
+                                    <p:set>
+                                      <p:cBhvr>
+                                        <p:cTn id="47" dur="1" fill="hold">
+                                          <p:stCondLst>
+                                            <p:cond delay="0"/>
+                                          </p:stCondLst>
+                                        </p:cTn>
+                                        <p:tgtEl>
+                                          <p:spTgt spid="25"/>
+                                        </p:tgtEl>
+                                        <p:attrNameLst>
+                                          <p:attrName>style.visibility</p:attrName>
+                                        </p:attrNameLst>
+                                      </p:cBhvr>
+                                      <p:to>
+                                        <p:strVal val="visible"/>
+                                      </p:to>
+                                    </p:set>
+                                    <p:animEffect transition="in" filter="fade">
+                                      <p:cBhvr>
+                                        <p:cTn id="48" dur="500"/>
+                                        <p:tgtEl>
+                                          <p:spTgt spid="25"/>
+                                        </p:tgtEl>
+                                      </p:cBhvr>
+                                    </p:animEffect>
+                                  </p:childTnLst>
+                                </p:cTn>
+                              </p:par>
+                              <p:par>
+                                <p:cTn id="49" presetID="10" presetClass="entr" presetSubtype="0" fill="hold" nodeType="withEffect">
+                                  <p:stCondLst>
+                                    <p:cond delay="0"/>
+                                  </p:stCondLst>
+                                  <p:childTnLst>
+                                    <p:set>
+                                      <p:cBhvr>
+                                        <p:cTn id="50" dur="1" fill="hold">
+                                          <p:stCondLst>
+                                            <p:cond delay="0"/>
+                                          </p:stCondLst>
+                                        </p:cTn>
+                                        <p:tgtEl>
+                                          <p:spTgt spid="29"/>
+                                        </p:tgtEl>
+                                        <p:attrNameLst>
+                                          <p:attrName>style.visibility</p:attrName>
+                                        </p:attrNameLst>
+                                      </p:cBhvr>
+                                      <p:to>
+                                        <p:strVal val="visible"/>
+                                      </p:to>
+                                    </p:set>
+                                    <p:animEffect transition="in" filter="fade">
+                                      <p:cBhvr>
+                                        <p:cTn id="51" dur="500"/>
+                                        <p:tgtEl>
+                                          <p:spTgt spid="29"/>
+                                        </p:tgtEl>
+                                      </p:cBhvr>
+                                    </p:animEffect>
+                                  </p:childTnLst>
+                                </p:cTn>
+                              </p:par>
+                              <p:par>
+                                <p:cTn id="52" presetID="10" presetClass="entr" presetSubtype="0" fill="hold" nodeType="withEffect">
+                                  <p:stCondLst>
+                                    <p:cond delay="0"/>
+                                  </p:stCondLst>
+                                  <p:childTnLst>
+                                    <p:set>
+                                      <p:cBhvr>
+                                        <p:cTn id="53" dur="1" fill="hold">
+                                          <p:stCondLst>
+                                            <p:cond delay="0"/>
+                                          </p:stCondLst>
+                                        </p:cTn>
+                                        <p:tgtEl>
+                                          <p:spTgt spid="31"/>
+                                        </p:tgtEl>
+                                        <p:attrNameLst>
+                                          <p:attrName>style.visibility</p:attrName>
+                                        </p:attrNameLst>
+                                      </p:cBhvr>
+                                      <p:to>
+                                        <p:strVal val="visible"/>
+                                      </p:to>
+                                    </p:set>
+                                    <p:animEffect transition="in" filter="fade">
+                                      <p:cBhvr>
+                                        <p:cTn id="54" dur="500"/>
+                                        <p:tgtEl>
+                                          <p:spTgt spid="31"/>
+                                        </p:tgtEl>
+                                      </p:cBhvr>
+                                    </p:animEffect>
+                                  </p:childTnLst>
+                                </p:cTn>
+                              </p:par>
+                            </p:childTnLst>
+                          </p:cTn>
+                        </p:par>
+                      </p:childTnLst>
+                    </p:cTn>
+                  </p:par>
+                  <p:par>
+                    <p:cTn id="55" fill="hold">
+                      <p:stCondLst>
+                        <p:cond delay="indefinite"/>
+                      </p:stCondLst>
+                      <p:childTnLst>
+                        <p:par>
+                          <p:cTn id="56" fill="hold">
+                            <p:stCondLst>
+                              <p:cond delay="0"/>
+                            </p:stCondLst>
+                            <p:childTnLst>
+                              <p:par>
+                                <p:cTn id="57" presetID="10" presetClass="entr" presetSubtype="0" fill="hold" grpId="0" nodeType="clickEffect">
+                                  <p:stCondLst>
+                                    <p:cond delay="0"/>
+                                  </p:stCondLst>
+                                  <p:childTnLst>
+                                    <p:set>
+                                      <p:cBhvr>
+                                        <p:cTn id="58" dur="1" fill="hold">
+                                          <p:stCondLst>
+                                            <p:cond delay="0"/>
+                                          </p:stCondLst>
+                                        </p:cTn>
+                                        <p:tgtEl>
+                                          <p:spTgt spid="8"/>
+                                        </p:tgtEl>
+                                        <p:attrNameLst>
+                                          <p:attrName>style.visibility</p:attrName>
+                                        </p:attrNameLst>
+                                      </p:cBhvr>
+                                      <p:to>
+                                        <p:strVal val="visible"/>
+                                      </p:to>
+                                    </p:set>
+                                    <p:animEffect transition="in" filter="fade">
+                                      <p:cBhvr>
+                                        <p:cTn id="59" dur="500"/>
+                                        <p:tgtEl>
+                                          <p:spTgt spid="8"/>
+                                        </p:tgtEl>
+                                      </p:cBhvr>
+                                    </p:animEffect>
+                                  </p:childTnLst>
+                                </p:cTn>
+                              </p:par>
+                              <p:par>
+                                <p:cTn id="60" presetID="10" presetClass="entr" presetSubtype="0" fill="hold" grpId="0" nodeType="withEffect">
+                                  <p:stCondLst>
+                                    <p:cond delay="0"/>
+                                  </p:stCondLst>
+                                  <p:childTnLst>
+                                    <p:set>
+                                      <p:cBhvr>
+                                        <p:cTn id="61" dur="1" fill="hold">
+                                          <p:stCondLst>
+                                            <p:cond delay="0"/>
+                                          </p:stCondLst>
+                                        </p:cTn>
+                                        <p:tgtEl>
+                                          <p:spTgt spid="36"/>
+                                        </p:tgtEl>
+                                        <p:attrNameLst>
+                                          <p:attrName>style.visibility</p:attrName>
+                                        </p:attrNameLst>
+                                      </p:cBhvr>
+                                      <p:to>
+                                        <p:strVal val="visible"/>
+                                      </p:to>
+                                    </p:set>
+                                    <p:animEffect transition="in" filter="fade">
+                                      <p:cBhvr>
+                                        <p:cTn id="62" dur="500"/>
+                                        <p:tgtEl>
+                                          <p:spTgt spid="36"/>
+                                        </p:tgtEl>
+                                      </p:cBhvr>
+                                    </p:animEffect>
+                                  </p:childTnLst>
+                                </p:cTn>
+                              </p:par>
+                              <p:par>
+                                <p:cTn id="63" presetID="10" presetClass="entr" presetSubtype="0" fill="hold" nodeType="withEffect">
+                                  <p:stCondLst>
+                                    <p:cond delay="0"/>
+                                  </p:stCondLst>
+                                  <p:childTnLst>
+                                    <p:set>
+                                      <p:cBhvr>
+                                        <p:cTn id="64" dur="1" fill="hold">
+                                          <p:stCondLst>
+                                            <p:cond delay="0"/>
+                                          </p:stCondLst>
+                                        </p:cTn>
+                                        <p:tgtEl>
+                                          <p:spTgt spid="37"/>
+                                        </p:tgtEl>
+                                        <p:attrNameLst>
+                                          <p:attrName>style.visibility</p:attrName>
+                                        </p:attrNameLst>
+                                      </p:cBhvr>
+                                      <p:to>
+                                        <p:strVal val="visible"/>
+                                      </p:to>
+                                    </p:set>
+                                    <p:animEffect transition="in" filter="fade">
+                                      <p:cBhvr>
+                                        <p:cTn id="65" dur="500"/>
+                                        <p:tgtEl>
+                                          <p:spTgt spid="37"/>
+                                        </p:tgtEl>
+                                      </p:cBhvr>
+                                    </p:animEffect>
+                                  </p:childTnLst>
+                                </p:cTn>
+                              </p:par>
+                              <p:par>
+                                <p:cTn id="66" presetID="10" presetClass="entr" presetSubtype="0" fill="hold" nodeType="withEffect">
+                                  <p:stCondLst>
+                                    <p:cond delay="0"/>
+                                  </p:stCondLst>
+                                  <p:childTnLst>
+                                    <p:set>
+                                      <p:cBhvr>
+                                        <p:cTn id="67" dur="1" fill="hold">
+                                          <p:stCondLst>
+                                            <p:cond delay="0"/>
+                                          </p:stCondLst>
+                                        </p:cTn>
+                                        <p:tgtEl>
+                                          <p:spTgt spid="38"/>
+                                        </p:tgtEl>
+                                        <p:attrNameLst>
+                                          <p:attrName>style.visibility</p:attrName>
+                                        </p:attrNameLst>
+                                      </p:cBhvr>
+                                      <p:to>
+                                        <p:strVal val="visible"/>
+                                      </p:to>
+                                    </p:set>
+                                    <p:animEffect transition="in" filter="fade">
+                                      <p:cBhvr>
+                                        <p:cTn id="68" dur="500"/>
+                                        <p:tgtEl>
+                                          <p:spTgt spid="38"/>
+                                        </p:tgtEl>
+                                      </p:cBhvr>
+                                    </p:animEffect>
+                                  </p:childTnLst>
+                                </p:cTn>
+                              </p:par>
+                              <p:par>
+                                <p:cTn id="69" presetID="10" presetClass="entr" presetSubtype="0" fill="hold" nodeType="withEffect">
+                                  <p:stCondLst>
+                                    <p:cond delay="0"/>
+                                  </p:stCondLst>
+                                  <p:childTnLst>
+                                    <p:set>
+                                      <p:cBhvr>
+                                        <p:cTn id="70" dur="1" fill="hold">
+                                          <p:stCondLst>
+                                            <p:cond delay="0"/>
+                                          </p:stCondLst>
+                                        </p:cTn>
+                                        <p:tgtEl>
+                                          <p:spTgt spid="39"/>
+                                        </p:tgtEl>
+                                        <p:attrNameLst>
+                                          <p:attrName>style.visibility</p:attrName>
+                                        </p:attrNameLst>
+                                      </p:cBhvr>
+                                      <p:to>
+                                        <p:strVal val="visible"/>
+                                      </p:to>
+                                    </p:set>
+                                    <p:animEffect transition="in" filter="fade">
+                                      <p:cBhvr>
+                                        <p:cTn id="71" dur="500"/>
+                                        <p:tgtEl>
+                                          <p:spTgt spid="39"/>
+                                        </p:tgtEl>
+                                      </p:cBhvr>
+                                    </p:animEffect>
+                                  </p:childTnLst>
+                                </p:cTn>
+                              </p:par>
+                              <p:par>
+                                <p:cTn id="72" presetID="10" presetClass="entr" presetSubtype="0" fill="hold" nodeType="withEffect">
+                                  <p:stCondLst>
+                                    <p:cond delay="0"/>
+                                  </p:stCondLst>
+                                  <p:childTnLst>
+                                    <p:set>
+                                      <p:cBhvr>
+                                        <p:cTn id="73" dur="1" fill="hold">
+                                          <p:stCondLst>
+                                            <p:cond delay="0"/>
+                                          </p:stCondLst>
+                                        </p:cTn>
+                                        <p:tgtEl>
+                                          <p:spTgt spid="40"/>
+                                        </p:tgtEl>
+                                        <p:attrNameLst>
+                                          <p:attrName>style.visibility</p:attrName>
+                                        </p:attrNameLst>
+                                      </p:cBhvr>
+                                      <p:to>
+                                        <p:strVal val="visible"/>
+                                      </p:to>
+                                    </p:set>
+                                    <p:animEffect transition="in" filter="fade">
+                                      <p:cBhvr>
+                                        <p:cTn id="74" dur="500"/>
+                                        <p:tgtEl>
+                                          <p:spTgt spid="40"/>
+                                        </p:tgtEl>
+                                      </p:cBhvr>
+                                    </p:animEffect>
+                                  </p:childTnLst>
+                                </p:cTn>
+                              </p:par>
+                              <p:par>
+                                <p:cTn id="75" presetID="10" presetClass="entr" presetSubtype="0" fill="hold" nodeType="withEffect">
+                                  <p:stCondLst>
+                                    <p:cond delay="0"/>
+                                  </p:stCondLst>
+                                  <p:childTnLst>
+                                    <p:set>
+                                      <p:cBhvr>
+                                        <p:cTn id="76" dur="1" fill="hold">
+                                          <p:stCondLst>
+                                            <p:cond delay="0"/>
+                                          </p:stCondLst>
+                                        </p:cTn>
+                                        <p:tgtEl>
+                                          <p:spTgt spid="41"/>
+                                        </p:tgtEl>
+                                        <p:attrNameLst>
+                                          <p:attrName>style.visibility</p:attrName>
+                                        </p:attrNameLst>
+                                      </p:cBhvr>
+                                      <p:to>
+                                        <p:strVal val="visible"/>
+                                      </p:to>
+                                    </p:set>
+                                    <p:animEffect transition="in" filter="fade">
+                                      <p:cBhvr>
+                                        <p:cTn id="77" dur="500"/>
+                                        <p:tgtEl>
+                                          <p:spTgt spid="41"/>
+                                        </p:tgtEl>
+                                      </p:cBhvr>
+                                    </p:animEffect>
+                                  </p:childTnLst>
+                                </p:cTn>
+                              </p:par>
+                              <p:par>
+                                <p:cTn id="78" presetID="10" presetClass="entr" presetSubtype="0" fill="hold" nodeType="withEffect">
+                                  <p:stCondLst>
+                                    <p:cond delay="0"/>
+                                  </p:stCondLst>
+                                  <p:childTnLst>
+                                    <p:set>
+                                      <p:cBhvr>
+                                        <p:cTn id="79" dur="1" fill="hold">
+                                          <p:stCondLst>
+                                            <p:cond delay="0"/>
+                                          </p:stCondLst>
+                                        </p:cTn>
+                                        <p:tgtEl>
+                                          <p:spTgt spid="42"/>
+                                        </p:tgtEl>
+                                        <p:attrNameLst>
+                                          <p:attrName>style.visibility</p:attrName>
+                                        </p:attrNameLst>
+                                      </p:cBhvr>
+                                      <p:to>
+                                        <p:strVal val="visible"/>
+                                      </p:to>
+                                    </p:set>
+                                    <p:animEffect transition="in" filter="fade">
+                                      <p:cBhvr>
+                                        <p:cTn id="80" dur="500"/>
+                                        <p:tgtEl>
+                                          <p:spTgt spid="42"/>
+                                        </p:tgtEl>
+                                      </p:cBhvr>
+                                    </p:animEffect>
+                                  </p:childTnLst>
+                                </p:cTn>
+                              </p:par>
+                              <p:par>
+                                <p:cTn id="81" presetID="10" presetClass="entr" presetSubtype="0" fill="hold" nodeType="withEffect">
+                                  <p:stCondLst>
+                                    <p:cond delay="0"/>
+                                  </p:stCondLst>
+                                  <p:childTnLst>
+                                    <p:set>
+                                      <p:cBhvr>
+                                        <p:cTn id="82" dur="1" fill="hold">
+                                          <p:stCondLst>
+                                            <p:cond delay="0"/>
+                                          </p:stCondLst>
+                                        </p:cTn>
+                                        <p:tgtEl>
+                                          <p:spTgt spid="47"/>
+                                        </p:tgtEl>
+                                        <p:attrNameLst>
+                                          <p:attrName>style.visibility</p:attrName>
+                                        </p:attrNameLst>
+                                      </p:cBhvr>
+                                      <p:to>
+                                        <p:strVal val="visible"/>
+                                      </p:to>
+                                    </p:set>
+                                    <p:animEffect transition="in" filter="fade">
+                                      <p:cBhvr>
+                                        <p:cTn id="83" dur="500"/>
+                                        <p:tgtEl>
+                                          <p:spTgt spid="47"/>
+                                        </p:tgtEl>
+                                      </p:cBhvr>
+                                    </p:animEffect>
+                                  </p:childTnLst>
+                                </p:cTn>
+                              </p:par>
+                              <p:par>
+                                <p:cTn id="84" presetID="10" presetClass="entr" presetSubtype="0" fill="hold" nodeType="withEffect">
+                                  <p:stCondLst>
+                                    <p:cond delay="0"/>
+                                  </p:stCondLst>
+                                  <p:childTnLst>
+                                    <p:set>
+                                      <p:cBhvr>
+                                        <p:cTn id="85" dur="1" fill="hold">
+                                          <p:stCondLst>
+                                            <p:cond delay="0"/>
+                                          </p:stCondLst>
+                                        </p:cTn>
+                                        <p:tgtEl>
+                                          <p:spTgt spid="52"/>
+                                        </p:tgtEl>
+                                        <p:attrNameLst>
+                                          <p:attrName>style.visibility</p:attrName>
+                                        </p:attrNameLst>
+                                      </p:cBhvr>
+                                      <p:to>
+                                        <p:strVal val="visible"/>
+                                      </p:to>
+                                    </p:set>
+                                    <p:animEffect transition="in" filter="fade">
+                                      <p:cBhvr>
+                                        <p:cTn id="86" dur="500"/>
+                                        <p:tgtEl>
+                                          <p:spTgt spid="52"/>
+                                        </p:tgtEl>
+                                      </p:cBhvr>
+                                    </p:animEffect>
+                                  </p:childTnLst>
+                                </p:cTn>
+                              </p:par>
+                              <p:par>
+                                <p:cTn id="87" presetID="10" presetClass="entr" presetSubtype="0" fill="hold" nodeType="withEffect">
+                                  <p:stCondLst>
+                                    <p:cond delay="0"/>
+                                  </p:stCondLst>
+                                  <p:childTnLst>
+                                    <p:set>
+                                      <p:cBhvr>
+                                        <p:cTn id="88" dur="1" fill="hold">
+                                          <p:stCondLst>
+                                            <p:cond delay="0"/>
+                                          </p:stCondLst>
+                                        </p:cTn>
+                                        <p:tgtEl>
+                                          <p:spTgt spid="57"/>
+                                        </p:tgtEl>
+                                        <p:attrNameLst>
+                                          <p:attrName>style.visibility</p:attrName>
+                                        </p:attrNameLst>
+                                      </p:cBhvr>
+                                      <p:to>
+                                        <p:strVal val="visible"/>
+                                      </p:to>
+                                    </p:set>
+                                    <p:animEffect transition="in" filter="fade">
+                                      <p:cBhvr>
+                                        <p:cTn id="89" dur="500"/>
+                                        <p:tgtEl>
+                                          <p:spTgt spid="57"/>
+                                        </p:tgtEl>
+                                      </p:cBhvr>
+                                    </p:animEffect>
+                                  </p:childTnLst>
+                                </p:cTn>
+                              </p:par>
+                            </p:childTnLst>
+                          </p:cTn>
+                        </p:par>
+                      </p:childTnLst>
+                    </p:cTn>
+                  </p:par>
+                  <p:par>
+                    <p:cTn id="90" fill="hold">
+                      <p:stCondLst>
+                        <p:cond delay="indefinite"/>
+                      </p:stCondLst>
+                      <p:childTnLst>
+                        <p:par>
+                          <p:cTn id="91" fill="hold">
+                            <p:stCondLst>
+                              <p:cond delay="0"/>
+                            </p:stCondLst>
+                            <p:childTnLst>
+                              <p:par>
+                                <p:cTn id="92" presetID="2" presetClass="entr" presetSubtype="4" fill="hold" grpId="0" nodeType="clickEffect">
+                                  <p:stCondLst>
+                                    <p:cond delay="0"/>
+                                  </p:stCondLst>
+                                  <p:childTnLst>
+                                    <p:set>
+                                      <p:cBhvr>
+                                        <p:cTn id="93" dur="1" fill="hold">
+                                          <p:stCondLst>
+                                            <p:cond delay="0"/>
+                                          </p:stCondLst>
+                                        </p:cTn>
+                                        <p:tgtEl>
+                                          <p:spTgt spid="63"/>
+                                        </p:tgtEl>
+                                        <p:attrNameLst>
+                                          <p:attrName>style.visibility</p:attrName>
+                                        </p:attrNameLst>
+                                      </p:cBhvr>
+                                      <p:to>
+                                        <p:strVal val="visible"/>
+                                      </p:to>
+                                    </p:set>
+                                    <p:anim calcmode="lin" valueType="num">
+                                      <p:cBhvr additive="base">
+                                        <p:cTn id="94" dur="500" fill="hold"/>
+                                        <p:tgtEl>
+                                          <p:spTgt spid="63"/>
+                                        </p:tgtEl>
+                                        <p:attrNameLst>
+                                          <p:attrName>ppt_x</p:attrName>
+                                        </p:attrNameLst>
+                                      </p:cBhvr>
+                                      <p:tavLst>
+                                        <p:tav tm="0">
+                                          <p:val>
+                                            <p:strVal val="#ppt_x"/>
+                                          </p:val>
+                                        </p:tav>
+                                        <p:tav tm="100000">
+                                          <p:val>
+                                            <p:strVal val="#ppt_x"/>
+                                          </p:val>
+                                        </p:tav>
+                                      </p:tavLst>
+                                    </p:anim>
+                                    <p:anim calcmode="lin" valueType="num">
+                                      <p:cBhvr additive="base">
+                                        <p:cTn id="95" dur="500" fill="hold"/>
+                                        <p:tgtEl>
+                                          <p:spTgt spid="63"/>
+                                        </p:tgtEl>
+                                        <p:attrNameLst>
+                                          <p:attrName>ppt_y</p:attrName>
+                                        </p:attrNameLst>
+                                      </p:cBhvr>
+                                      <p:tavLst>
+                                        <p:tav tm="0">
+                                          <p:val>
+                                            <p:strVal val="1+#ppt_h/2"/>
+                                          </p:val>
+                                        </p:tav>
+                                        <p:tav tm="100000">
+                                          <p:val>
+                                            <p:strVal val="#ppt_y"/>
+                                          </p:val>
+                                        </p:tav>
+                                      </p:tavLst>
+                                    </p:anim>
+                                  </p:childTnLst>
+                                </p:cTn>
+                              </p:par>
+                              <p:par>
+                                <p:cTn id="96" presetID="10" presetClass="entr" presetSubtype="0" fill="hold" nodeType="withEffect">
+                                  <p:stCondLst>
+                                    <p:cond delay="0"/>
+                                  </p:stCondLst>
+                                  <p:childTnLst>
+                                    <p:set>
+                                      <p:cBhvr>
+                                        <p:cTn id="97" dur="1" fill="hold">
+                                          <p:stCondLst>
+                                            <p:cond delay="0"/>
+                                          </p:stCondLst>
+                                        </p:cTn>
+                                        <p:tgtEl>
+                                          <p:spTgt spid="27"/>
+                                        </p:tgtEl>
+                                        <p:attrNameLst>
+                                          <p:attrName>style.visibility</p:attrName>
+                                        </p:attrNameLst>
+                                      </p:cBhvr>
+                                      <p:to>
+                                        <p:strVal val="visible"/>
+                                      </p:to>
+                                    </p:set>
+                                    <p:animEffect transition="in" filter="fade">
+                                      <p:cBhvr>
+                                        <p:cTn id="98" dur="500"/>
+                                        <p:tgtEl>
+                                          <p:spTgt spid="27"/>
+                                        </p:tgtEl>
+                                      </p:cBhvr>
+                                    </p:animEffect>
+                                  </p:childTnLst>
+                                </p:cTn>
+                              </p:par>
+                            </p:childTnLst>
+                          </p:cTn>
+                        </p:par>
+                      </p:childTnLst>
+                    </p:cTn>
+                  </p:par>
+                </p:childTnLst>
+              </p:cTn>
+              <p:prevCondLst>
+                <p:cond evt="onPrev" delay="0">
+                  <p:tgtEl>
+                    <p:sldTgt/>
+                  </p:tgtEl>
+                </p:cond>
+              </p:prevCondLst>
+              <p:nextCondLst>
+                <p:cond evt="onNext" delay="0">
+                  <p:tgtEl>
+                    <p:sldTgt/>
+                  </p:tgtEl>
+                </p:cond>
+              </p:nextCondLst>
+            </p:seq>
+          </p:childTnLst>
+        </p:cTn>
+      </p:par>
+    </p:tnLst>
+    <p:bldLst>
+      <p:bldP spid="3" grpId="0" animBg="1"/>
+      <p:bldP spid="7" grpId="0" animBg="1"/>
+      <p:bldP spid="8" grpId="0" animBg="1"/>
+      <p:bldP spid="10" grpId="0"/>
+      <p:bldP spid="11" grpId="0"/>
+      <p:bldP spid="36" grpId="0"/>
+      <p:bldP spid="62" grpId="0"/>
+      <p:bldP spid="63" grpId="0"/>
+    </p:bldLst>
+  </p:timing>
 </p:sld>
 </file>
 
@@ -6185,7 +9302,7 @@
           <p:nvPr>
             <p:extLst>
               <p:ext uri="{D42A27DB-BD31-4B8C-83A1-F6EECF244321}">
-                <p14:modId xmlns:p14="http://schemas.microsoft.com/office/powerpoint/2010/main" val="2899874361"/>
+                <p14:modId xmlns:p14="http://schemas.microsoft.com/office/powerpoint/2010/main" val="1471287524"/>
               </p:ext>
             </p:extLst>
           </p:nvPr>
@@ -6414,7 +9531,7 @@
                       <a:pPr algn="ctr" latinLnBrk="1"/>
                       <a:r>
                         <a:rPr lang="en-US" altLang="ko-KR" dirty="0"/>
-                        <a:t>B</a:t>
+                        <a:t>A</a:t>
                       </a:r>
                       <a:endParaRPr lang="ko-KR" altLang="en-US" dirty="0"/>
                     </a:p>

--- a/기획발표.pptx
+++ b/기획발표.pptx
@@ -11,8 +11,8 @@
     <p:sldId id="261" r:id="rId5"/>
     <p:sldId id="260" r:id="rId6"/>
     <p:sldId id="262" r:id="rId7"/>
-    <p:sldId id="263" r:id="rId8"/>
-    <p:sldId id="264" r:id="rId9"/>
+    <p:sldId id="264" r:id="rId8"/>
+    <p:sldId id="263" r:id="rId9"/>
   </p:sldIdLst>
   <p:sldSz cx="12192000" cy="6858000"/>
   <p:notesSz cx="6858000" cy="9144000"/>
@@ -270,7 +270,7 @@
           <a:p>
             <a:fld id="{6AE92317-43F9-4945-8731-D21FDC87FDE9}" type="datetimeFigureOut">
               <a:rPr lang="ko-KR" altLang="en-US" smtClean="0"/>
-              <a:t>2017-10-17</a:t>
+              <a:t>2017-10-19</a:t>
             </a:fld>
             <a:endParaRPr lang="ko-KR" altLang="en-US"/>
           </a:p>
@@ -468,7 +468,7 @@
           <a:p>
             <a:fld id="{6AE92317-43F9-4945-8731-D21FDC87FDE9}" type="datetimeFigureOut">
               <a:rPr lang="ko-KR" altLang="en-US" smtClean="0"/>
-              <a:t>2017-10-17</a:t>
+              <a:t>2017-10-19</a:t>
             </a:fld>
             <a:endParaRPr lang="ko-KR" altLang="en-US"/>
           </a:p>
@@ -676,7 +676,7 @@
           <a:p>
             <a:fld id="{6AE92317-43F9-4945-8731-D21FDC87FDE9}" type="datetimeFigureOut">
               <a:rPr lang="ko-KR" altLang="en-US" smtClean="0"/>
-              <a:t>2017-10-17</a:t>
+              <a:t>2017-10-19</a:t>
             </a:fld>
             <a:endParaRPr lang="ko-KR" altLang="en-US"/>
           </a:p>
@@ -874,7 +874,7 @@
           <a:p>
             <a:fld id="{6AE92317-43F9-4945-8731-D21FDC87FDE9}" type="datetimeFigureOut">
               <a:rPr lang="ko-KR" altLang="en-US" smtClean="0"/>
-              <a:t>2017-10-17</a:t>
+              <a:t>2017-10-19</a:t>
             </a:fld>
             <a:endParaRPr lang="ko-KR" altLang="en-US"/>
           </a:p>
@@ -1149,7 +1149,7 @@
           <a:p>
             <a:fld id="{6AE92317-43F9-4945-8731-D21FDC87FDE9}" type="datetimeFigureOut">
               <a:rPr lang="ko-KR" altLang="en-US" smtClean="0"/>
-              <a:t>2017-10-17</a:t>
+              <a:t>2017-10-19</a:t>
             </a:fld>
             <a:endParaRPr lang="ko-KR" altLang="en-US"/>
           </a:p>
@@ -1414,7 +1414,7 @@
           <a:p>
             <a:fld id="{6AE92317-43F9-4945-8731-D21FDC87FDE9}" type="datetimeFigureOut">
               <a:rPr lang="ko-KR" altLang="en-US" smtClean="0"/>
-              <a:t>2017-10-17</a:t>
+              <a:t>2017-10-19</a:t>
             </a:fld>
             <a:endParaRPr lang="ko-KR" altLang="en-US"/>
           </a:p>
@@ -1826,7 +1826,7 @@
           <a:p>
             <a:fld id="{6AE92317-43F9-4945-8731-D21FDC87FDE9}" type="datetimeFigureOut">
               <a:rPr lang="ko-KR" altLang="en-US" smtClean="0"/>
-              <a:t>2017-10-17</a:t>
+              <a:t>2017-10-19</a:t>
             </a:fld>
             <a:endParaRPr lang="ko-KR" altLang="en-US"/>
           </a:p>
@@ -1967,7 +1967,7 @@
           <a:p>
             <a:fld id="{6AE92317-43F9-4945-8731-D21FDC87FDE9}" type="datetimeFigureOut">
               <a:rPr lang="ko-KR" altLang="en-US" smtClean="0"/>
-              <a:t>2017-10-17</a:t>
+              <a:t>2017-10-19</a:t>
             </a:fld>
             <a:endParaRPr lang="ko-KR" altLang="en-US"/>
           </a:p>
@@ -2080,7 +2080,7 @@
           <a:p>
             <a:fld id="{6AE92317-43F9-4945-8731-D21FDC87FDE9}" type="datetimeFigureOut">
               <a:rPr lang="ko-KR" altLang="en-US" smtClean="0"/>
-              <a:t>2017-10-17</a:t>
+              <a:t>2017-10-19</a:t>
             </a:fld>
             <a:endParaRPr lang="ko-KR" altLang="en-US"/>
           </a:p>
@@ -2391,7 +2391,7 @@
           <a:p>
             <a:fld id="{6AE92317-43F9-4945-8731-D21FDC87FDE9}" type="datetimeFigureOut">
               <a:rPr lang="ko-KR" altLang="en-US" smtClean="0"/>
-              <a:t>2017-10-17</a:t>
+              <a:t>2017-10-19</a:t>
             </a:fld>
             <a:endParaRPr lang="ko-KR" altLang="en-US"/>
           </a:p>
@@ -2679,7 +2679,7 @@
           <a:p>
             <a:fld id="{6AE92317-43F9-4945-8731-D21FDC87FDE9}" type="datetimeFigureOut">
               <a:rPr lang="ko-KR" altLang="en-US" smtClean="0"/>
-              <a:t>2017-10-17</a:t>
+              <a:t>2017-10-19</a:t>
             </a:fld>
             <a:endParaRPr lang="ko-KR" altLang="en-US"/>
           </a:p>
@@ -2920,7 +2920,7 @@
           <a:p>
             <a:fld id="{6AE92317-43F9-4945-8731-D21FDC87FDE9}" type="datetimeFigureOut">
               <a:rPr lang="ko-KR" altLang="en-US" smtClean="0"/>
-              <a:t>2017-10-17</a:t>
+              <a:t>2017-10-19</a:t>
             </a:fld>
             <a:endParaRPr lang="ko-KR" altLang="en-US"/>
           </a:p>
@@ -3951,7 +3951,7 @@
         <p:spPr>
           <a:xfrm>
             <a:off x="5740400" y="2052320"/>
-            <a:ext cx="5760720" cy="3539430"/>
+            <a:ext cx="5760720" cy="3108543"/>
           </a:xfrm>
           <a:prstGeom prst="rect">
             <a:avLst/>
@@ -4001,7 +4001,30 @@
                   <a:schemeClr val="accent4"/>
                 </a:solidFill>
               </a:rPr>
-              <a:t>핵전쟁과 온난화로 인류는 더 이상 지구에 살 수 없게 되고 새로운 행성을 찾아 떠나게 된다</a:t>
+              <a:t>핵전쟁과 온난화로 인류는 더 이상 지구에 살 수 없게 되고 </a:t>
+            </a:r>
+            <a:endParaRPr lang="en-US" altLang="ko-KR" sz="2800" b="1">
+              <a:solidFill>
+                <a:schemeClr val="accent4"/>
+              </a:solidFill>
+            </a:endParaRPr>
+          </a:p>
+          <a:p>
+            <a:r>
+              <a:rPr lang="ko-KR" altLang="en-US" sz="2800" b="1">
+                <a:solidFill>
+                  <a:schemeClr val="accent4"/>
+                </a:solidFill>
+              </a:rPr>
+              <a:t>새로운 </a:t>
+            </a:r>
+            <a:r>
+              <a:rPr lang="ko-KR" altLang="en-US" sz="2800" b="1" dirty="0">
+                <a:solidFill>
+                  <a:schemeClr val="accent4"/>
+                </a:solidFill>
+              </a:rPr>
+              <a:t>행성을 찾아 떠나게 된다</a:t>
             </a:r>
             <a:r>
               <a:rPr lang="en-US" altLang="ko-KR" sz="2800" b="1" dirty="0">
@@ -4027,10 +4050,8 @@
                   <a:schemeClr val="accent4"/>
                 </a:solidFill>
               </a:rPr>
-              <a:t>,</a:t>
-            </a:r>
-          </a:p>
-          <a:p>
+              <a:t>, </a:t>
+            </a:r>
             <a:r>
               <a:rPr lang="ko-KR" altLang="en-US" sz="2800" b="1" dirty="0">
                 <a:solidFill>
@@ -9174,6 +9195,172 @@
           <p:cNvPr id="2" name="직사각형 1">
             <a:extLst>
               <a:ext uri="{FF2B5EF4-FFF2-40B4-BE49-F238E27FC236}">
+                <a16:creationId xmlns:a16="http://schemas.microsoft.com/office/drawing/2014/main" id="{347CB149-5176-4887-900B-61C019ABF7F3}"/>
+              </a:ext>
+            </a:extLst>
+          </p:cNvPr>
+          <p:cNvSpPr/>
+          <p:nvPr/>
+        </p:nvSpPr>
+        <p:spPr>
+          <a:xfrm>
+            <a:off x="3026089" y="2705725"/>
+            <a:ext cx="6139822" cy="1446550"/>
+          </a:xfrm>
+          <a:prstGeom prst="rect">
+            <a:avLst/>
+          </a:prstGeom>
+          <a:noFill/>
+        </p:spPr>
+        <p:txBody>
+          <a:bodyPr wrap="none" lIns="91440" tIns="45720" rIns="91440" bIns="45720">
+            <a:spAutoFit/>
+            <a:scene3d>
+              <a:camera prst="orthographicFront"/>
+              <a:lightRig rig="soft" dir="t">
+                <a:rot lat="0" lon="0" rev="15600000"/>
+              </a:lightRig>
+            </a:scene3d>
+            <a:sp3d extrusionH="57150" prstMaterial="softEdge">
+              <a:bevelT w="25400" h="38100"/>
+            </a:sp3d>
+          </a:bodyPr>
+          <a:lstStyle/>
+          <a:p>
+            <a:pPr algn="ctr"/>
+            <a:r>
+              <a:rPr lang="ko-KR" altLang="en-US" sz="8800" b="1" dirty="0">
+                <a:ln w="12700" cmpd="sng">
+                  <a:solidFill>
+                    <a:schemeClr val="accent4"/>
+                  </a:solidFill>
+                  <a:prstDash val="solid"/>
+                </a:ln>
+                <a:gradFill>
+                  <a:gsLst>
+                    <a:gs pos="0">
+                      <a:schemeClr val="accent4"/>
+                    </a:gs>
+                    <a:gs pos="4000">
+                      <a:schemeClr val="accent4">
+                        <a:lumMod val="60000"/>
+                        <a:lumOff val="40000"/>
+                      </a:schemeClr>
+                    </a:gs>
+                    <a:gs pos="87000">
+                      <a:schemeClr val="accent4">
+                        <a:lumMod val="20000"/>
+                        <a:lumOff val="80000"/>
+                      </a:schemeClr>
+                    </a:gs>
+                  </a:gsLst>
+                  <a:lin ang="5400000"/>
+                </a:gradFill>
+                <a:effectLst>
+                  <a:outerShdw blurRad="50800" dist="38100" dir="5400000" algn="t" rotWithShape="0">
+                    <a:prstClr val="black">
+                      <a:alpha val="40000"/>
+                    </a:prstClr>
+                  </a:outerShdw>
+                </a:effectLst>
+                <a:latin typeface="HY목각파임B" panose="02030600000101010101" pitchFamily="18" charset="-127"/>
+                <a:ea typeface="HY목각파임B" panose="02030600000101010101" pitchFamily="18" charset="-127"/>
+              </a:rPr>
+              <a:t>감사합니다</a:t>
+            </a:r>
+            <a:r>
+              <a:rPr lang="en-US" altLang="ko-KR" sz="8800" b="1" dirty="0">
+                <a:ln w="12700" cmpd="sng">
+                  <a:solidFill>
+                    <a:schemeClr val="accent4"/>
+                  </a:solidFill>
+                  <a:prstDash val="solid"/>
+                </a:ln>
+                <a:gradFill>
+                  <a:gsLst>
+                    <a:gs pos="0">
+                      <a:schemeClr val="accent4"/>
+                    </a:gs>
+                    <a:gs pos="4000">
+                      <a:schemeClr val="accent4">
+                        <a:lumMod val="60000"/>
+                        <a:lumOff val="40000"/>
+                      </a:schemeClr>
+                    </a:gs>
+                    <a:gs pos="87000">
+                      <a:schemeClr val="accent4">
+                        <a:lumMod val="20000"/>
+                        <a:lumOff val="80000"/>
+                      </a:schemeClr>
+                    </a:gs>
+                  </a:gsLst>
+                  <a:lin ang="5400000"/>
+                </a:gradFill>
+                <a:effectLst>
+                  <a:outerShdw blurRad="50800" dist="38100" dir="5400000" algn="t" rotWithShape="0">
+                    <a:prstClr val="black">
+                      <a:alpha val="40000"/>
+                    </a:prstClr>
+                  </a:outerShdw>
+                </a:effectLst>
+                <a:latin typeface="HY목각파임B" panose="02030600000101010101" pitchFamily="18" charset="-127"/>
+                <a:ea typeface="HY목각파임B" panose="02030600000101010101" pitchFamily="18" charset="-127"/>
+              </a:rPr>
+              <a:t>.</a:t>
+            </a:r>
+          </a:p>
+        </p:txBody>
+      </p:sp>
+    </p:spTree>
+    <p:extLst>
+      <p:ext uri="{BB962C8B-B14F-4D97-AF65-F5344CB8AC3E}">
+        <p14:creationId xmlns:p14="http://schemas.microsoft.com/office/powerpoint/2010/main" val="3453702357"/>
+      </p:ext>
+    </p:extLst>
+  </p:cSld>
+  <p:clrMapOvr>
+    <a:masterClrMapping/>
+  </p:clrMapOvr>
+</p:sld>
+</file>
+
+<file path=ppt/slides/slide8.xml><?xml version="1.0" encoding="utf-8"?>
+<p:sld xmlns:a="http://schemas.openxmlformats.org/drawingml/2006/main" xmlns:r="http://schemas.openxmlformats.org/officeDocument/2006/relationships" xmlns:p="http://schemas.openxmlformats.org/presentationml/2006/main">
+  <p:cSld>
+    <p:bg>
+      <p:bgPr>
+        <a:blipFill dpi="0" rotWithShape="1">
+          <a:blip r:embed="rId2">
+            <a:alphaModFix amt="91000"/>
+            <a:lum/>
+          </a:blip>
+          <a:srcRect/>
+          <a:stretch>
+            <a:fillRect/>
+          </a:stretch>
+        </a:blipFill>
+        <a:effectLst/>
+      </p:bgPr>
+    </p:bg>
+    <p:spTree>
+      <p:nvGrpSpPr>
+        <p:cNvPr id="1" name=""/>
+        <p:cNvGrpSpPr/>
+        <p:nvPr/>
+      </p:nvGrpSpPr>
+      <p:grpSpPr>
+        <a:xfrm>
+          <a:off x="0" y="0"/>
+          <a:ext cx="0" cy="0"/>
+          <a:chOff x="0" y="0"/>
+          <a:chExt cx="0" cy="0"/>
+        </a:xfrm>
+      </p:grpSpPr>
+      <p:sp>
+        <p:nvSpPr>
+          <p:cNvPr id="2" name="직사각형 1">
+            <a:extLst>
+              <a:ext uri="{FF2B5EF4-FFF2-40B4-BE49-F238E27FC236}">
                 <a16:creationId xmlns:a16="http://schemas.microsoft.com/office/drawing/2014/main" id="{1B874C04-B469-411A-A7BF-08A5F7438931}"/>
               </a:ext>
             </a:extLst>
@@ -9593,172 +9780,6 @@
     <p:extLst>
       <p:ext uri="{BB962C8B-B14F-4D97-AF65-F5344CB8AC3E}">
         <p14:creationId xmlns:p14="http://schemas.microsoft.com/office/powerpoint/2010/main" val="354367855"/>
-      </p:ext>
-    </p:extLst>
-  </p:cSld>
-  <p:clrMapOvr>
-    <a:masterClrMapping/>
-  </p:clrMapOvr>
-</p:sld>
-</file>
-
-<file path=ppt/slides/slide8.xml><?xml version="1.0" encoding="utf-8"?>
-<p:sld xmlns:a="http://schemas.openxmlformats.org/drawingml/2006/main" xmlns:r="http://schemas.openxmlformats.org/officeDocument/2006/relationships" xmlns:p="http://schemas.openxmlformats.org/presentationml/2006/main">
-  <p:cSld>
-    <p:bg>
-      <p:bgPr>
-        <a:blipFill dpi="0" rotWithShape="1">
-          <a:blip r:embed="rId2">
-            <a:alphaModFix amt="91000"/>
-            <a:lum/>
-          </a:blip>
-          <a:srcRect/>
-          <a:stretch>
-            <a:fillRect/>
-          </a:stretch>
-        </a:blipFill>
-        <a:effectLst/>
-      </p:bgPr>
-    </p:bg>
-    <p:spTree>
-      <p:nvGrpSpPr>
-        <p:cNvPr id="1" name=""/>
-        <p:cNvGrpSpPr/>
-        <p:nvPr/>
-      </p:nvGrpSpPr>
-      <p:grpSpPr>
-        <a:xfrm>
-          <a:off x="0" y="0"/>
-          <a:ext cx="0" cy="0"/>
-          <a:chOff x="0" y="0"/>
-          <a:chExt cx="0" cy="0"/>
-        </a:xfrm>
-      </p:grpSpPr>
-      <p:sp>
-        <p:nvSpPr>
-          <p:cNvPr id="2" name="직사각형 1">
-            <a:extLst>
-              <a:ext uri="{FF2B5EF4-FFF2-40B4-BE49-F238E27FC236}">
-                <a16:creationId xmlns:a16="http://schemas.microsoft.com/office/drawing/2014/main" id="{347CB149-5176-4887-900B-61C019ABF7F3}"/>
-              </a:ext>
-            </a:extLst>
-          </p:cNvPr>
-          <p:cNvSpPr/>
-          <p:nvPr/>
-        </p:nvSpPr>
-        <p:spPr>
-          <a:xfrm>
-            <a:off x="3026089" y="2705725"/>
-            <a:ext cx="6139822" cy="1446550"/>
-          </a:xfrm>
-          <a:prstGeom prst="rect">
-            <a:avLst/>
-          </a:prstGeom>
-          <a:noFill/>
-        </p:spPr>
-        <p:txBody>
-          <a:bodyPr wrap="none" lIns="91440" tIns="45720" rIns="91440" bIns="45720">
-            <a:spAutoFit/>
-            <a:scene3d>
-              <a:camera prst="orthographicFront"/>
-              <a:lightRig rig="soft" dir="t">
-                <a:rot lat="0" lon="0" rev="15600000"/>
-              </a:lightRig>
-            </a:scene3d>
-            <a:sp3d extrusionH="57150" prstMaterial="softEdge">
-              <a:bevelT w="25400" h="38100"/>
-            </a:sp3d>
-          </a:bodyPr>
-          <a:lstStyle/>
-          <a:p>
-            <a:pPr algn="ctr"/>
-            <a:r>
-              <a:rPr lang="ko-KR" altLang="en-US" sz="8800" b="1" dirty="0">
-                <a:ln w="12700" cmpd="sng">
-                  <a:solidFill>
-                    <a:schemeClr val="accent4"/>
-                  </a:solidFill>
-                  <a:prstDash val="solid"/>
-                </a:ln>
-                <a:gradFill>
-                  <a:gsLst>
-                    <a:gs pos="0">
-                      <a:schemeClr val="accent4"/>
-                    </a:gs>
-                    <a:gs pos="4000">
-                      <a:schemeClr val="accent4">
-                        <a:lumMod val="60000"/>
-                        <a:lumOff val="40000"/>
-                      </a:schemeClr>
-                    </a:gs>
-                    <a:gs pos="87000">
-                      <a:schemeClr val="accent4">
-                        <a:lumMod val="20000"/>
-                        <a:lumOff val="80000"/>
-                      </a:schemeClr>
-                    </a:gs>
-                  </a:gsLst>
-                  <a:lin ang="5400000"/>
-                </a:gradFill>
-                <a:effectLst>
-                  <a:outerShdw blurRad="50800" dist="38100" dir="5400000" algn="t" rotWithShape="0">
-                    <a:prstClr val="black">
-                      <a:alpha val="40000"/>
-                    </a:prstClr>
-                  </a:outerShdw>
-                </a:effectLst>
-                <a:latin typeface="HY목각파임B" panose="02030600000101010101" pitchFamily="18" charset="-127"/>
-                <a:ea typeface="HY목각파임B" panose="02030600000101010101" pitchFamily="18" charset="-127"/>
-              </a:rPr>
-              <a:t>감사합니다</a:t>
-            </a:r>
-            <a:r>
-              <a:rPr lang="en-US" altLang="ko-KR" sz="8800" b="1" dirty="0">
-                <a:ln w="12700" cmpd="sng">
-                  <a:solidFill>
-                    <a:schemeClr val="accent4"/>
-                  </a:solidFill>
-                  <a:prstDash val="solid"/>
-                </a:ln>
-                <a:gradFill>
-                  <a:gsLst>
-                    <a:gs pos="0">
-                      <a:schemeClr val="accent4"/>
-                    </a:gs>
-                    <a:gs pos="4000">
-                      <a:schemeClr val="accent4">
-                        <a:lumMod val="60000"/>
-                        <a:lumOff val="40000"/>
-                      </a:schemeClr>
-                    </a:gs>
-                    <a:gs pos="87000">
-                      <a:schemeClr val="accent4">
-                        <a:lumMod val="20000"/>
-                        <a:lumOff val="80000"/>
-                      </a:schemeClr>
-                    </a:gs>
-                  </a:gsLst>
-                  <a:lin ang="5400000"/>
-                </a:gradFill>
-                <a:effectLst>
-                  <a:outerShdw blurRad="50800" dist="38100" dir="5400000" algn="t" rotWithShape="0">
-                    <a:prstClr val="black">
-                      <a:alpha val="40000"/>
-                    </a:prstClr>
-                  </a:outerShdw>
-                </a:effectLst>
-                <a:latin typeface="HY목각파임B" panose="02030600000101010101" pitchFamily="18" charset="-127"/>
-                <a:ea typeface="HY목각파임B" panose="02030600000101010101" pitchFamily="18" charset="-127"/>
-              </a:rPr>
-              <a:t>.</a:t>
-            </a:r>
-          </a:p>
-        </p:txBody>
-      </p:sp>
-    </p:spTree>
-    <p:extLst>
-      <p:ext uri="{BB962C8B-B14F-4D97-AF65-F5344CB8AC3E}">
-        <p14:creationId xmlns:p14="http://schemas.microsoft.com/office/powerpoint/2010/main" val="3453702357"/>
       </p:ext>
     </p:extLst>
   </p:cSld>
